--- a/Procedurell_Generering_Utvardering.pptx
+++ b/Procedurell_Generering_Utvardering.pptx
@@ -3380,8 +3380,12 @@
           <a:lstStyle/>
           <a:p>
             <a:r>
+              <a:rPr lang="sv-SE" dirty="0" err="1"/>
+              <a:t>Procedurell</a:t>
+            </a:r>
+            <a:r>
               <a:rPr lang="sv-SE"/>
-              <a:t>Procedurell: </a:t>
+              <a:t> Generering: </a:t>
             </a:r>
             <a:r>
               <a:rPr lang="sv-SE" dirty="0"/>

--- a/Procedurell_Generering_Utvardering.pptx
+++ b/Procedurell_Generering_Utvardering.pptx
@@ -4,6 +4,9 @@
   <p:sldMasterIdLst>
     <p:sldMasterId id="2147483648" r:id="rId1"/>
   </p:sldMasterIdLst>
+  <p:notesMasterIdLst>
+    <p:notesMasterId r:id="rId9"/>
+  </p:notesMasterIdLst>
   <p:sldIdLst>
     <p:sldId id="256" r:id="rId2"/>
     <p:sldId id="258" r:id="rId3"/>
@@ -116,6 +119,1270 @@
     </p:ext>
   </p:extLst>
 </p:presentation>
+</file>
+
+<file path=ppt/notesMasters/notesMaster1.xml><?xml version="1.0" encoding="utf-8"?>
+<p:notesMaster xmlns:a="http://schemas.openxmlformats.org/drawingml/2006/main" xmlns:r="http://schemas.openxmlformats.org/officeDocument/2006/relationships" xmlns:p="http://schemas.openxmlformats.org/presentationml/2006/main">
+  <p:cSld>
+    <p:bg>
+      <p:bgRef idx="1001">
+        <a:schemeClr val="bg1"/>
+      </p:bgRef>
+    </p:bg>
+    <p:spTree>
+      <p:nvGrpSpPr>
+        <p:cNvPr id="1" name=""/>
+        <p:cNvGrpSpPr/>
+        <p:nvPr/>
+      </p:nvGrpSpPr>
+      <p:grpSpPr>
+        <a:xfrm>
+          <a:off x="0" y="0"/>
+          <a:ext cx="0" cy="0"/>
+          <a:chOff x="0" y="0"/>
+          <a:chExt cx="0" cy="0"/>
+        </a:xfrm>
+      </p:grpSpPr>
+      <p:sp>
+        <p:nvSpPr>
+          <p:cNvPr id="2" name="Platshållare för sidhuvud 1"/>
+          <p:cNvSpPr>
+            <a:spLocks noGrp="1"/>
+          </p:cNvSpPr>
+          <p:nvPr>
+            <p:ph type="hdr" sz="quarter"/>
+          </p:nvPr>
+        </p:nvSpPr>
+        <p:spPr>
+          <a:xfrm>
+            <a:off x="0" y="0"/>
+            <a:ext cx="2971800" cy="458788"/>
+          </a:xfrm>
+          <a:prstGeom prst="rect">
+            <a:avLst/>
+          </a:prstGeom>
+        </p:spPr>
+        <p:txBody>
+          <a:bodyPr vert="horz" lIns="91440" tIns="45720" rIns="91440" bIns="45720" rtlCol="0"/>
+          <a:lstStyle>
+            <a:lvl1pPr algn="l">
+              <a:defRPr sz="1200"/>
+            </a:lvl1pPr>
+          </a:lstStyle>
+          <a:p>
+            <a:endParaRPr lang="sv-SE"/>
+          </a:p>
+        </p:txBody>
+      </p:sp>
+      <p:sp>
+        <p:nvSpPr>
+          <p:cNvPr id="3" name="Platshållare för datum 2"/>
+          <p:cNvSpPr>
+            <a:spLocks noGrp="1"/>
+          </p:cNvSpPr>
+          <p:nvPr>
+            <p:ph type="dt" idx="1"/>
+          </p:nvPr>
+        </p:nvSpPr>
+        <p:spPr>
+          <a:xfrm>
+            <a:off x="3884613" y="0"/>
+            <a:ext cx="2971800" cy="458788"/>
+          </a:xfrm>
+          <a:prstGeom prst="rect">
+            <a:avLst/>
+          </a:prstGeom>
+        </p:spPr>
+        <p:txBody>
+          <a:bodyPr vert="horz" lIns="91440" tIns="45720" rIns="91440" bIns="45720" rtlCol="0"/>
+          <a:lstStyle>
+            <a:lvl1pPr algn="r">
+              <a:defRPr sz="1200"/>
+            </a:lvl1pPr>
+          </a:lstStyle>
+          <a:p>
+            <a:fld id="{20E4CE32-F3A7-426B-8BF9-6B27D109731A}" type="datetimeFigureOut">
+              <a:rPr lang="sv-SE" smtClean="0"/>
+              <a:t>2023-05-22</a:t>
+            </a:fld>
+            <a:endParaRPr lang="sv-SE"/>
+          </a:p>
+        </p:txBody>
+      </p:sp>
+      <p:sp>
+        <p:nvSpPr>
+          <p:cNvPr id="4" name="Platshållare för bildobjekt 3"/>
+          <p:cNvSpPr>
+            <a:spLocks noGrp="1" noRot="1" noChangeAspect="1"/>
+          </p:cNvSpPr>
+          <p:nvPr>
+            <p:ph type="sldImg" idx="2"/>
+          </p:nvPr>
+        </p:nvSpPr>
+        <p:spPr>
+          <a:xfrm>
+            <a:off x="685800" y="1143000"/>
+            <a:ext cx="5486400" cy="3086100"/>
+          </a:xfrm>
+          <a:prstGeom prst="rect">
+            <a:avLst/>
+          </a:prstGeom>
+          <a:noFill/>
+          <a:ln w="12700">
+            <a:solidFill>
+              <a:prstClr val="black"/>
+            </a:solidFill>
+          </a:ln>
+        </p:spPr>
+        <p:txBody>
+          <a:bodyPr vert="horz" lIns="91440" tIns="45720" rIns="91440" bIns="45720" rtlCol="0" anchor="ctr"/>
+          <a:lstStyle/>
+          <a:p>
+            <a:endParaRPr lang="sv-SE"/>
+          </a:p>
+        </p:txBody>
+      </p:sp>
+      <p:sp>
+        <p:nvSpPr>
+          <p:cNvPr id="5" name="Platshållare för anteckningar 4"/>
+          <p:cNvSpPr>
+            <a:spLocks noGrp="1"/>
+          </p:cNvSpPr>
+          <p:nvPr>
+            <p:ph type="body" sz="quarter" idx="3"/>
+          </p:nvPr>
+        </p:nvSpPr>
+        <p:spPr>
+          <a:xfrm>
+            <a:off x="685800" y="4400550"/>
+            <a:ext cx="5486400" cy="3600450"/>
+          </a:xfrm>
+          <a:prstGeom prst="rect">
+            <a:avLst/>
+          </a:prstGeom>
+        </p:spPr>
+        <p:txBody>
+          <a:bodyPr vert="horz" lIns="91440" tIns="45720" rIns="91440" bIns="45720" rtlCol="0"/>
+          <a:lstStyle/>
+          <a:p>
+            <a:pPr lvl="0"/>
+            <a:r>
+              <a:rPr lang="sv-SE"/>
+              <a:t>Klicka här för att ändra format på bakgrundstexten</a:t>
+            </a:r>
+          </a:p>
+          <a:p>
+            <a:pPr lvl="1"/>
+            <a:r>
+              <a:rPr lang="sv-SE"/>
+              <a:t>Nivå två</a:t>
+            </a:r>
+          </a:p>
+          <a:p>
+            <a:pPr lvl="2"/>
+            <a:r>
+              <a:rPr lang="sv-SE"/>
+              <a:t>Nivå tre</a:t>
+            </a:r>
+          </a:p>
+          <a:p>
+            <a:pPr lvl="3"/>
+            <a:r>
+              <a:rPr lang="sv-SE"/>
+              <a:t>Nivå fyra</a:t>
+            </a:r>
+          </a:p>
+          <a:p>
+            <a:pPr lvl="4"/>
+            <a:r>
+              <a:rPr lang="sv-SE"/>
+              <a:t>Nivå fem</a:t>
+            </a:r>
+          </a:p>
+        </p:txBody>
+      </p:sp>
+      <p:sp>
+        <p:nvSpPr>
+          <p:cNvPr id="6" name="Platshållare för sidfot 5"/>
+          <p:cNvSpPr>
+            <a:spLocks noGrp="1"/>
+          </p:cNvSpPr>
+          <p:nvPr>
+            <p:ph type="ftr" sz="quarter" idx="4"/>
+          </p:nvPr>
+        </p:nvSpPr>
+        <p:spPr>
+          <a:xfrm>
+            <a:off x="0" y="8685213"/>
+            <a:ext cx="2971800" cy="458787"/>
+          </a:xfrm>
+          <a:prstGeom prst="rect">
+            <a:avLst/>
+          </a:prstGeom>
+        </p:spPr>
+        <p:txBody>
+          <a:bodyPr vert="horz" lIns="91440" tIns="45720" rIns="91440" bIns="45720" rtlCol="0" anchor="b"/>
+          <a:lstStyle>
+            <a:lvl1pPr algn="l">
+              <a:defRPr sz="1200"/>
+            </a:lvl1pPr>
+          </a:lstStyle>
+          <a:p>
+            <a:endParaRPr lang="sv-SE"/>
+          </a:p>
+        </p:txBody>
+      </p:sp>
+      <p:sp>
+        <p:nvSpPr>
+          <p:cNvPr id="7" name="Platshållare för bildnummer 6"/>
+          <p:cNvSpPr>
+            <a:spLocks noGrp="1"/>
+          </p:cNvSpPr>
+          <p:nvPr>
+            <p:ph type="sldNum" sz="quarter" idx="5"/>
+          </p:nvPr>
+        </p:nvSpPr>
+        <p:spPr>
+          <a:xfrm>
+            <a:off x="3884613" y="8685213"/>
+            <a:ext cx="2971800" cy="458787"/>
+          </a:xfrm>
+          <a:prstGeom prst="rect">
+            <a:avLst/>
+          </a:prstGeom>
+        </p:spPr>
+        <p:txBody>
+          <a:bodyPr vert="horz" lIns="91440" tIns="45720" rIns="91440" bIns="45720" rtlCol="0" anchor="b"/>
+          <a:lstStyle>
+            <a:lvl1pPr algn="r">
+              <a:defRPr sz="1200"/>
+            </a:lvl1pPr>
+          </a:lstStyle>
+          <a:p>
+            <a:fld id="{88FD1F31-4487-4D67-846D-255077BA2B6A}" type="slidenum">
+              <a:rPr lang="sv-SE" smtClean="0"/>
+              <a:t>‹#›</a:t>
+            </a:fld>
+            <a:endParaRPr lang="sv-SE"/>
+          </a:p>
+        </p:txBody>
+      </p:sp>
+    </p:spTree>
+    <p:extLst>
+      <p:ext uri="{BB962C8B-B14F-4D97-AF65-F5344CB8AC3E}">
+        <p14:creationId xmlns:p14="http://schemas.microsoft.com/office/powerpoint/2010/main" val="885467298"/>
+      </p:ext>
+    </p:extLst>
+  </p:cSld>
+  <p:clrMap bg1="lt1" tx1="dk1" bg2="lt2" tx2="dk2" accent1="accent1" accent2="accent2" accent3="accent3" accent4="accent4" accent5="accent5" accent6="accent6" hlink="hlink" folHlink="folHlink"/>
+  <p:notesStyle>
+    <a:lvl1pPr marL="0" algn="l" defTabSz="914400" rtl="0" eaLnBrk="1" latinLnBrk="0" hangingPunct="1">
+      <a:defRPr sz="1200" kern="1200">
+        <a:solidFill>
+          <a:schemeClr val="tx1"/>
+        </a:solidFill>
+        <a:latin typeface="+mn-lt"/>
+        <a:ea typeface="+mn-ea"/>
+        <a:cs typeface="+mn-cs"/>
+      </a:defRPr>
+    </a:lvl1pPr>
+    <a:lvl2pPr marL="457200" algn="l" defTabSz="914400" rtl="0" eaLnBrk="1" latinLnBrk="0" hangingPunct="1">
+      <a:defRPr sz="1200" kern="1200">
+        <a:solidFill>
+          <a:schemeClr val="tx1"/>
+        </a:solidFill>
+        <a:latin typeface="+mn-lt"/>
+        <a:ea typeface="+mn-ea"/>
+        <a:cs typeface="+mn-cs"/>
+      </a:defRPr>
+    </a:lvl2pPr>
+    <a:lvl3pPr marL="914400" algn="l" defTabSz="914400" rtl="0" eaLnBrk="1" latinLnBrk="0" hangingPunct="1">
+      <a:defRPr sz="1200" kern="1200">
+        <a:solidFill>
+          <a:schemeClr val="tx1"/>
+        </a:solidFill>
+        <a:latin typeface="+mn-lt"/>
+        <a:ea typeface="+mn-ea"/>
+        <a:cs typeface="+mn-cs"/>
+      </a:defRPr>
+    </a:lvl3pPr>
+    <a:lvl4pPr marL="1371600" algn="l" defTabSz="914400" rtl="0" eaLnBrk="1" latinLnBrk="0" hangingPunct="1">
+      <a:defRPr sz="1200" kern="1200">
+        <a:solidFill>
+          <a:schemeClr val="tx1"/>
+        </a:solidFill>
+        <a:latin typeface="+mn-lt"/>
+        <a:ea typeface="+mn-ea"/>
+        <a:cs typeface="+mn-cs"/>
+      </a:defRPr>
+    </a:lvl4pPr>
+    <a:lvl5pPr marL="1828800" algn="l" defTabSz="914400" rtl="0" eaLnBrk="1" latinLnBrk="0" hangingPunct="1">
+      <a:defRPr sz="1200" kern="1200">
+        <a:solidFill>
+          <a:schemeClr val="tx1"/>
+        </a:solidFill>
+        <a:latin typeface="+mn-lt"/>
+        <a:ea typeface="+mn-ea"/>
+        <a:cs typeface="+mn-cs"/>
+      </a:defRPr>
+    </a:lvl5pPr>
+    <a:lvl6pPr marL="2286000" algn="l" defTabSz="914400" rtl="0" eaLnBrk="1" latinLnBrk="0" hangingPunct="1">
+      <a:defRPr sz="1200" kern="1200">
+        <a:solidFill>
+          <a:schemeClr val="tx1"/>
+        </a:solidFill>
+        <a:latin typeface="+mn-lt"/>
+        <a:ea typeface="+mn-ea"/>
+        <a:cs typeface="+mn-cs"/>
+      </a:defRPr>
+    </a:lvl6pPr>
+    <a:lvl7pPr marL="2743200" algn="l" defTabSz="914400" rtl="0" eaLnBrk="1" latinLnBrk="0" hangingPunct="1">
+      <a:defRPr sz="1200" kern="1200">
+        <a:solidFill>
+          <a:schemeClr val="tx1"/>
+        </a:solidFill>
+        <a:latin typeface="+mn-lt"/>
+        <a:ea typeface="+mn-ea"/>
+        <a:cs typeface="+mn-cs"/>
+      </a:defRPr>
+    </a:lvl7pPr>
+    <a:lvl8pPr marL="3200400" algn="l" defTabSz="914400" rtl="0" eaLnBrk="1" latinLnBrk="0" hangingPunct="1">
+      <a:defRPr sz="1200" kern="1200">
+        <a:solidFill>
+          <a:schemeClr val="tx1"/>
+        </a:solidFill>
+        <a:latin typeface="+mn-lt"/>
+        <a:ea typeface="+mn-ea"/>
+        <a:cs typeface="+mn-cs"/>
+      </a:defRPr>
+    </a:lvl8pPr>
+    <a:lvl9pPr marL="3657600" algn="l" defTabSz="914400" rtl="0" eaLnBrk="1" latinLnBrk="0" hangingPunct="1">
+      <a:defRPr sz="1200" kern="1200">
+        <a:solidFill>
+          <a:schemeClr val="tx1"/>
+        </a:solidFill>
+        <a:latin typeface="+mn-lt"/>
+        <a:ea typeface="+mn-ea"/>
+        <a:cs typeface="+mn-cs"/>
+      </a:defRPr>
+    </a:lvl9pPr>
+  </p:notesStyle>
+</p:notesMaster>
+</file>
+
+<file path=ppt/notesSlides/notesSlide1.xml><?xml version="1.0" encoding="utf-8"?>
+<p:notes xmlns:a="http://schemas.openxmlformats.org/drawingml/2006/main" xmlns:r="http://schemas.openxmlformats.org/officeDocument/2006/relationships" xmlns:p="http://schemas.openxmlformats.org/presentationml/2006/main">
+  <p:cSld>
+    <p:spTree>
+      <p:nvGrpSpPr>
+        <p:cNvPr id="1" name=""/>
+        <p:cNvGrpSpPr/>
+        <p:nvPr/>
+      </p:nvGrpSpPr>
+      <p:grpSpPr>
+        <a:xfrm>
+          <a:off x="0" y="0"/>
+          <a:ext cx="0" cy="0"/>
+          <a:chOff x="0" y="0"/>
+          <a:chExt cx="0" cy="0"/>
+        </a:xfrm>
+      </p:grpSpPr>
+      <p:sp>
+        <p:nvSpPr>
+          <p:cNvPr id="2" name="Platshållare för bildobjekt 1"/>
+          <p:cNvSpPr>
+            <a:spLocks noGrp="1" noRot="1" noChangeAspect="1"/>
+          </p:cNvSpPr>
+          <p:nvPr>
+            <p:ph type="sldImg"/>
+          </p:nvPr>
+        </p:nvSpPr>
+        <p:spPr/>
+      </p:sp>
+      <p:sp>
+        <p:nvSpPr>
+          <p:cNvPr id="3" name="Platshållare för anteckningar 2"/>
+          <p:cNvSpPr>
+            <a:spLocks noGrp="1"/>
+          </p:cNvSpPr>
+          <p:nvPr>
+            <p:ph type="body" idx="1"/>
+          </p:nvPr>
+        </p:nvSpPr>
+        <p:spPr/>
+        <p:txBody>
+          <a:bodyPr/>
+          <a:lstStyle/>
+          <a:p>
+            <a:r>
+              <a:rPr lang="sv-SE" dirty="0"/>
+              <a:t>Utvärdering.</a:t>
+            </a:r>
+          </a:p>
+        </p:txBody>
+      </p:sp>
+      <p:sp>
+        <p:nvSpPr>
+          <p:cNvPr id="4" name="Platshållare för bildnummer 3"/>
+          <p:cNvSpPr>
+            <a:spLocks noGrp="1"/>
+          </p:cNvSpPr>
+          <p:nvPr>
+            <p:ph type="sldNum" sz="quarter" idx="5"/>
+          </p:nvPr>
+        </p:nvSpPr>
+        <p:spPr/>
+        <p:txBody>
+          <a:bodyPr/>
+          <a:lstStyle/>
+          <a:p>
+            <a:fld id="{88FD1F31-4487-4D67-846D-255077BA2B6A}" type="slidenum">
+              <a:rPr lang="sv-SE" smtClean="0"/>
+              <a:t>1</a:t>
+            </a:fld>
+            <a:endParaRPr lang="sv-SE"/>
+          </a:p>
+        </p:txBody>
+      </p:sp>
+    </p:spTree>
+    <p:extLst>
+      <p:ext uri="{BB962C8B-B14F-4D97-AF65-F5344CB8AC3E}">
+        <p14:creationId xmlns:p14="http://schemas.microsoft.com/office/powerpoint/2010/main" val="2079308552"/>
+      </p:ext>
+    </p:extLst>
+  </p:cSld>
+  <p:clrMapOvr>
+    <a:masterClrMapping/>
+  </p:clrMapOvr>
+</p:notes>
+</file>
+
+<file path=ppt/notesSlides/notesSlide2.xml><?xml version="1.0" encoding="utf-8"?>
+<p:notes xmlns:a="http://schemas.openxmlformats.org/drawingml/2006/main" xmlns:r="http://schemas.openxmlformats.org/officeDocument/2006/relationships" xmlns:p="http://schemas.openxmlformats.org/presentationml/2006/main">
+  <p:cSld>
+    <p:spTree>
+      <p:nvGrpSpPr>
+        <p:cNvPr id="1" name=""/>
+        <p:cNvGrpSpPr/>
+        <p:nvPr/>
+      </p:nvGrpSpPr>
+      <p:grpSpPr>
+        <a:xfrm>
+          <a:off x="0" y="0"/>
+          <a:ext cx="0" cy="0"/>
+          <a:chOff x="0" y="0"/>
+          <a:chExt cx="0" cy="0"/>
+        </a:xfrm>
+      </p:grpSpPr>
+      <p:sp>
+        <p:nvSpPr>
+          <p:cNvPr id="2" name="Platshållare för bildobjekt 1"/>
+          <p:cNvSpPr>
+            <a:spLocks noGrp="1" noRot="1" noChangeAspect="1"/>
+          </p:cNvSpPr>
+          <p:nvPr>
+            <p:ph type="sldImg"/>
+          </p:nvPr>
+        </p:nvSpPr>
+        <p:spPr/>
+      </p:sp>
+      <p:sp>
+        <p:nvSpPr>
+          <p:cNvPr id="3" name="Platshållare för anteckningar 2"/>
+          <p:cNvSpPr>
+            <a:spLocks noGrp="1"/>
+          </p:cNvSpPr>
+          <p:nvPr>
+            <p:ph type="body" idx="1"/>
+          </p:nvPr>
+        </p:nvSpPr>
+        <p:spPr/>
+        <p:txBody>
+          <a:bodyPr/>
+          <a:lstStyle/>
+          <a:p>
+            <a:r>
+              <a:rPr lang="sv-SE" dirty="0"/>
+              <a:t>Jag tycker att det finns ett antal styrkor med mitt projekt. </a:t>
+            </a:r>
+          </a:p>
+          <a:p>
+            <a:endParaRPr lang="sv-SE" dirty="0"/>
+          </a:p>
+          <a:p>
+            <a:r>
+              <a:rPr lang="sv-SE" dirty="0"/>
+              <a:t>En styrka är att algoritmen alltid genererar ett slumpmässigt pussel. Eftersom det finns 10^21 olika sudokun så man säkert säga att spelaren får en unik spelupplevelse varje gång.</a:t>
+            </a:r>
+          </a:p>
+          <a:p>
+            <a:endParaRPr lang="sv-SE" dirty="0"/>
+          </a:p>
+          <a:p>
+            <a:r>
+              <a:rPr lang="sv-SE" dirty="0" err="1"/>
+              <a:t>HumanlySolvable</a:t>
+            </a:r>
+            <a:r>
+              <a:rPr lang="sv-SE" dirty="0"/>
+              <a:t>-checken garanterar att pusslet är någorlunda tillfredsställande att lösa.</a:t>
+            </a:r>
+          </a:p>
+          <a:p>
+            <a:endParaRPr lang="sv-SE" dirty="0"/>
+          </a:p>
+          <a:p>
+            <a:r>
+              <a:rPr lang="sv-SE" dirty="0"/>
+              <a:t>Med 4 olika </a:t>
+            </a:r>
+            <a:r>
+              <a:rPr lang="sv-SE" dirty="0" err="1"/>
+              <a:t>svårgihetsnivåer</a:t>
+            </a:r>
+            <a:r>
+              <a:rPr lang="sv-SE" dirty="0"/>
+              <a:t> så kan vem som helst spela spelet.</a:t>
+            </a:r>
+          </a:p>
+          <a:p>
+            <a:endParaRPr lang="sv-SE" dirty="0"/>
+          </a:p>
+          <a:p>
+            <a:r>
+              <a:rPr lang="sv-SE" dirty="0"/>
+              <a:t>Features i UI, som att göra stödmarkeringar, </a:t>
+            </a:r>
+            <a:r>
+              <a:rPr lang="sv-SE" dirty="0" err="1"/>
+              <a:t>undo:a</a:t>
+            </a:r>
+            <a:r>
+              <a:rPr lang="sv-SE" dirty="0"/>
+              <a:t> osv) bidrar till spelupplevelsen genom att ge användaren verktyg för att lösa pusslet.</a:t>
+            </a:r>
+          </a:p>
+          <a:p>
+            <a:endParaRPr lang="sv-SE" dirty="0"/>
+          </a:p>
+          <a:p>
+            <a:r>
+              <a:rPr lang="sv-SE" dirty="0"/>
+              <a:t>Och till sist gör hint-knappen att användaren alltid kan få en ledtråd om hen känner sig fast.</a:t>
+            </a:r>
+          </a:p>
+          <a:p>
+            <a:endParaRPr lang="sv-SE" dirty="0"/>
+          </a:p>
+          <a:p>
+            <a:endParaRPr lang="sv-SE" dirty="0"/>
+          </a:p>
+        </p:txBody>
+      </p:sp>
+      <p:sp>
+        <p:nvSpPr>
+          <p:cNvPr id="4" name="Platshållare för bildnummer 3"/>
+          <p:cNvSpPr>
+            <a:spLocks noGrp="1"/>
+          </p:cNvSpPr>
+          <p:nvPr>
+            <p:ph type="sldNum" sz="quarter" idx="5"/>
+          </p:nvPr>
+        </p:nvSpPr>
+        <p:spPr/>
+        <p:txBody>
+          <a:bodyPr/>
+          <a:lstStyle/>
+          <a:p>
+            <a:fld id="{88FD1F31-4487-4D67-846D-255077BA2B6A}" type="slidenum">
+              <a:rPr lang="sv-SE" smtClean="0"/>
+              <a:t>2</a:t>
+            </a:fld>
+            <a:endParaRPr lang="sv-SE"/>
+          </a:p>
+        </p:txBody>
+      </p:sp>
+    </p:spTree>
+    <p:extLst>
+      <p:ext uri="{BB962C8B-B14F-4D97-AF65-F5344CB8AC3E}">
+        <p14:creationId xmlns:p14="http://schemas.microsoft.com/office/powerpoint/2010/main" val="1049379826"/>
+      </p:ext>
+    </p:extLst>
+  </p:cSld>
+  <p:clrMapOvr>
+    <a:masterClrMapping/>
+  </p:clrMapOvr>
+</p:notes>
+</file>
+
+<file path=ppt/notesSlides/notesSlide3.xml><?xml version="1.0" encoding="utf-8"?>
+<p:notes xmlns:a="http://schemas.openxmlformats.org/drawingml/2006/main" xmlns:r="http://schemas.openxmlformats.org/officeDocument/2006/relationships" xmlns:p="http://schemas.openxmlformats.org/presentationml/2006/main">
+  <p:cSld>
+    <p:spTree>
+      <p:nvGrpSpPr>
+        <p:cNvPr id="1" name=""/>
+        <p:cNvGrpSpPr/>
+        <p:nvPr/>
+      </p:nvGrpSpPr>
+      <p:grpSpPr>
+        <a:xfrm>
+          <a:off x="0" y="0"/>
+          <a:ext cx="0" cy="0"/>
+          <a:chOff x="0" y="0"/>
+          <a:chExt cx="0" cy="0"/>
+        </a:xfrm>
+      </p:grpSpPr>
+      <p:sp>
+        <p:nvSpPr>
+          <p:cNvPr id="2" name="Platshållare för bildobjekt 1"/>
+          <p:cNvSpPr>
+            <a:spLocks noGrp="1" noRot="1" noChangeAspect="1"/>
+          </p:cNvSpPr>
+          <p:nvPr>
+            <p:ph type="sldImg"/>
+          </p:nvPr>
+        </p:nvSpPr>
+        <p:spPr/>
+      </p:sp>
+      <p:sp>
+        <p:nvSpPr>
+          <p:cNvPr id="3" name="Platshållare för anteckningar 2"/>
+          <p:cNvSpPr>
+            <a:spLocks noGrp="1"/>
+          </p:cNvSpPr>
+          <p:nvPr>
+            <p:ph type="body" idx="1"/>
+          </p:nvPr>
+        </p:nvSpPr>
+        <p:spPr/>
+        <p:txBody>
+          <a:bodyPr/>
+          <a:lstStyle/>
+          <a:p>
+            <a:r>
+              <a:rPr lang="sv-SE" dirty="0"/>
+              <a:t>Spelet har dock sina nackdelar.</a:t>
+            </a:r>
+          </a:p>
+          <a:p>
+            <a:endParaRPr lang="sv-SE" dirty="0"/>
+          </a:p>
+          <a:p>
+            <a:r>
+              <a:rPr lang="sv-SE" dirty="0"/>
+              <a:t>En grej är att det inte finns någon automatiserad testning eller stöd för att ange sitt eget pussel. Därför har jag varit beroende av att slumpen har skapat de situationer som jag velat testa. Utan riktiga testfunktioner har jag varit tvungen att använda externa verktyg för att dubbelkolla att deras lösningsalgoritm kommer fram till samma slutsatser som min.</a:t>
+            </a:r>
+          </a:p>
+          <a:p>
+            <a:endParaRPr lang="sv-SE" dirty="0"/>
+          </a:p>
+          <a:p>
+            <a:r>
+              <a:rPr lang="sv-SE" dirty="0"/>
+              <a:t>Ett relaterat problem är att man har liten kontroll över hur vilken typ av pussel som genereras. Om jag t.ex. vill generera ett svårt pussel så måste jag helt enkelt hoppas på att det pussel som genereras faktiskt är svårt, vilket bestäms av vilka lösningsmetoder som krävdes. Om det inte var ett svårt pussel får jag helt enkelt testa igen upp till 20 försök. Därför kan det ta lång tid för ett pussel att genereras + att det inte finns någon 100%-garanti på att rätt svårighetsgrad väljs.</a:t>
+            </a:r>
+          </a:p>
+          <a:p>
+            <a:endParaRPr lang="sv-SE" dirty="0"/>
+          </a:p>
+          <a:p>
+            <a:r>
+              <a:rPr lang="sv-SE" dirty="0"/>
+              <a:t>En sista grej är att många av mina features är rushade och inte optimerade. För att exempelvis spara undan en rutas tillstånd för varje drag som görs så måste jag varje gång spara undan en kopia av deras hörnmarkeringar, mittenmarkeringar och färger. Detta görs för alla 81 rutor vid varje kommando som utförs, oavsett vilken ruta kommandot gällde. Det finns såklart bättre sätt att lösa detta på, t.ex. genom att exempelvis inte skapa något nytt </a:t>
+            </a:r>
+            <a:r>
+              <a:rPr lang="sv-SE" dirty="0" err="1"/>
+              <a:t>state</a:t>
+            </a:r>
+            <a:r>
+              <a:rPr lang="sv-SE" dirty="0"/>
+              <a:t> om </a:t>
+            </a:r>
+            <a:r>
+              <a:rPr lang="sv-SE" dirty="0" err="1"/>
+              <a:t>tilen</a:t>
+            </a:r>
+            <a:r>
+              <a:rPr lang="sv-SE" dirty="0"/>
+              <a:t> inte påverkades av kommandot.</a:t>
+            </a:r>
+          </a:p>
+        </p:txBody>
+      </p:sp>
+      <p:sp>
+        <p:nvSpPr>
+          <p:cNvPr id="4" name="Platshållare för bildnummer 3"/>
+          <p:cNvSpPr>
+            <a:spLocks noGrp="1"/>
+          </p:cNvSpPr>
+          <p:nvPr>
+            <p:ph type="sldNum" sz="quarter" idx="5"/>
+          </p:nvPr>
+        </p:nvSpPr>
+        <p:spPr/>
+        <p:txBody>
+          <a:bodyPr/>
+          <a:lstStyle/>
+          <a:p>
+            <a:fld id="{88FD1F31-4487-4D67-846D-255077BA2B6A}" type="slidenum">
+              <a:rPr lang="sv-SE" smtClean="0"/>
+              <a:t>3</a:t>
+            </a:fld>
+            <a:endParaRPr lang="sv-SE"/>
+          </a:p>
+        </p:txBody>
+      </p:sp>
+    </p:spTree>
+    <p:extLst>
+      <p:ext uri="{BB962C8B-B14F-4D97-AF65-F5344CB8AC3E}">
+        <p14:creationId xmlns:p14="http://schemas.microsoft.com/office/powerpoint/2010/main" val="668006073"/>
+      </p:ext>
+    </p:extLst>
+  </p:cSld>
+  <p:clrMapOvr>
+    <a:masterClrMapping/>
+  </p:clrMapOvr>
+</p:notes>
+</file>
+
+<file path=ppt/notesSlides/notesSlide4.xml><?xml version="1.0" encoding="utf-8"?>
+<p:notes xmlns:a="http://schemas.openxmlformats.org/drawingml/2006/main" xmlns:r="http://schemas.openxmlformats.org/officeDocument/2006/relationships" xmlns:p="http://schemas.openxmlformats.org/presentationml/2006/main">
+  <p:cSld>
+    <p:spTree>
+      <p:nvGrpSpPr>
+        <p:cNvPr id="1" name=""/>
+        <p:cNvGrpSpPr/>
+        <p:nvPr/>
+      </p:nvGrpSpPr>
+      <p:grpSpPr>
+        <a:xfrm>
+          <a:off x="0" y="0"/>
+          <a:ext cx="0" cy="0"/>
+          <a:chOff x="0" y="0"/>
+          <a:chExt cx="0" cy="0"/>
+        </a:xfrm>
+      </p:grpSpPr>
+      <p:sp>
+        <p:nvSpPr>
+          <p:cNvPr id="2" name="Platshållare för bildobjekt 1"/>
+          <p:cNvSpPr>
+            <a:spLocks noGrp="1" noRot="1" noChangeAspect="1"/>
+          </p:cNvSpPr>
+          <p:nvPr>
+            <p:ph type="sldImg"/>
+          </p:nvPr>
+        </p:nvSpPr>
+        <p:spPr/>
+      </p:sp>
+      <p:sp>
+        <p:nvSpPr>
+          <p:cNvPr id="3" name="Platshållare för anteckningar 2"/>
+          <p:cNvSpPr>
+            <a:spLocks noGrp="1"/>
+          </p:cNvSpPr>
+          <p:nvPr>
+            <p:ph type="body" idx="1"/>
+          </p:nvPr>
+        </p:nvSpPr>
+        <p:spPr/>
+        <p:txBody>
+          <a:bodyPr/>
+          <a:lstStyle/>
+          <a:p>
+            <a:r>
+              <a:rPr lang="sv-SE" dirty="0"/>
+              <a:t>Så för att förbättra dessa svagheter så kan man alltså göra automatiserade tester för att testa varje möjligt fall av varje lösningsalgoritm.</a:t>
+            </a:r>
+          </a:p>
+          <a:p>
+            <a:endParaRPr lang="sv-SE" dirty="0"/>
+          </a:p>
+          <a:p>
+            <a:r>
+              <a:rPr lang="sv-SE" dirty="0"/>
+              <a:t>Man kan skapa en funktion som låter användaren ange sitt eget pussel. Detta skulle vara bra både i testningssyfte men ger även extra frihet till spelaren.</a:t>
+            </a:r>
+          </a:p>
+          <a:p>
+            <a:endParaRPr lang="sv-SE" dirty="0"/>
+          </a:p>
+          <a:p>
+            <a:r>
+              <a:rPr lang="sv-SE" dirty="0"/>
+              <a:t>Eftersom det kan ta tid för ett pussel att skapas så skulle en </a:t>
+            </a:r>
+            <a:r>
+              <a:rPr lang="sv-SE" dirty="0" err="1"/>
+              <a:t>loadingscreen</a:t>
+            </a:r>
+            <a:r>
+              <a:rPr lang="sv-SE" dirty="0"/>
+              <a:t> vara bra att ha.</a:t>
+            </a:r>
+          </a:p>
+          <a:p>
+            <a:endParaRPr lang="sv-SE" dirty="0"/>
+          </a:p>
+          <a:p>
+            <a:r>
+              <a:rPr lang="sv-SE" dirty="0"/>
+              <a:t>Sen borde man också spara undan det senaste pusslet så att användaren kan stänga ner spelet och fortsätta på samma bräde vid en annan spelsession. Förmodligen inte jättesvårt att lägga till men det var något som jag inte hann helt enkelt.</a:t>
+            </a:r>
+          </a:p>
+          <a:p>
+            <a:endParaRPr lang="sv-SE" dirty="0"/>
+          </a:p>
+          <a:p>
+            <a:r>
+              <a:rPr lang="sv-SE" dirty="0"/>
+              <a:t>Till sist så kanske det finns någon algoritm som ger en större kontroll över vilket typ av pussel som genereras, men det visste jag inte hur man skulle göra.</a:t>
+            </a:r>
+          </a:p>
+        </p:txBody>
+      </p:sp>
+      <p:sp>
+        <p:nvSpPr>
+          <p:cNvPr id="4" name="Platshållare för bildnummer 3"/>
+          <p:cNvSpPr>
+            <a:spLocks noGrp="1"/>
+          </p:cNvSpPr>
+          <p:nvPr>
+            <p:ph type="sldNum" sz="quarter" idx="5"/>
+          </p:nvPr>
+        </p:nvSpPr>
+        <p:spPr/>
+        <p:txBody>
+          <a:bodyPr/>
+          <a:lstStyle/>
+          <a:p>
+            <a:fld id="{88FD1F31-4487-4D67-846D-255077BA2B6A}" type="slidenum">
+              <a:rPr lang="sv-SE" smtClean="0"/>
+              <a:t>4</a:t>
+            </a:fld>
+            <a:endParaRPr lang="sv-SE"/>
+          </a:p>
+        </p:txBody>
+      </p:sp>
+    </p:spTree>
+    <p:extLst>
+      <p:ext uri="{BB962C8B-B14F-4D97-AF65-F5344CB8AC3E}">
+        <p14:creationId xmlns:p14="http://schemas.microsoft.com/office/powerpoint/2010/main" val="1363477819"/>
+      </p:ext>
+    </p:extLst>
+  </p:cSld>
+  <p:clrMapOvr>
+    <a:masterClrMapping/>
+  </p:clrMapOvr>
+</p:notes>
+</file>
+
+<file path=ppt/notesSlides/notesSlide5.xml><?xml version="1.0" encoding="utf-8"?>
+<p:notes xmlns:a="http://schemas.openxmlformats.org/drawingml/2006/main" xmlns:r="http://schemas.openxmlformats.org/officeDocument/2006/relationships" xmlns:p="http://schemas.openxmlformats.org/presentationml/2006/main">
+  <p:cSld>
+    <p:spTree>
+      <p:nvGrpSpPr>
+        <p:cNvPr id="1" name=""/>
+        <p:cNvGrpSpPr/>
+        <p:nvPr/>
+      </p:nvGrpSpPr>
+      <p:grpSpPr>
+        <a:xfrm>
+          <a:off x="0" y="0"/>
+          <a:ext cx="0" cy="0"/>
+          <a:chOff x="0" y="0"/>
+          <a:chExt cx="0" cy="0"/>
+        </a:xfrm>
+      </p:grpSpPr>
+      <p:sp>
+        <p:nvSpPr>
+          <p:cNvPr id="2" name="Platshållare för bildobjekt 1"/>
+          <p:cNvSpPr>
+            <a:spLocks noGrp="1" noRot="1" noChangeAspect="1"/>
+          </p:cNvSpPr>
+          <p:nvPr>
+            <p:ph type="sldImg"/>
+          </p:nvPr>
+        </p:nvSpPr>
+        <p:spPr/>
+      </p:sp>
+      <p:sp>
+        <p:nvSpPr>
+          <p:cNvPr id="3" name="Platshållare för anteckningar 2"/>
+          <p:cNvSpPr>
+            <a:spLocks noGrp="1"/>
+          </p:cNvSpPr>
+          <p:nvPr>
+            <p:ph type="body" idx="1"/>
+          </p:nvPr>
+        </p:nvSpPr>
+        <p:spPr/>
+        <p:txBody>
+          <a:bodyPr/>
+          <a:lstStyle/>
+          <a:p>
+            <a:r>
+              <a:rPr lang="sv-SE" dirty="0"/>
+              <a:t>De algoritmer som använts i mitt spel kan förstås användas av andra för att skapa sina egna sudokun. Om man inte är lika beroende av att algoritmen ska vara snabb så kan man lägga in extravillkor i den så att den skapa mer individanpassade sudokun, även om det kan ta många iterationer att göra.</a:t>
+            </a:r>
+          </a:p>
+          <a:p>
+            <a:endParaRPr lang="sv-SE" dirty="0"/>
+          </a:p>
+          <a:p>
+            <a:r>
+              <a:rPr lang="sv-SE" dirty="0"/>
+              <a:t>Metoderna som använts i mitt spel kan förmodligen användas till </a:t>
+            </a:r>
+            <a:r>
+              <a:rPr lang="sv-SE" dirty="0" err="1"/>
+              <a:t>liknane</a:t>
+            </a:r>
+            <a:r>
+              <a:rPr lang="sv-SE" dirty="0"/>
+              <a:t> spel också. Ta t.ex. ett korsord och situationen på bilden. Att ange ”Sudoku” som det vertikala ordet kan ses som en slags vågfunktionskollaps. Det vågräta ordet tvingas att ha ett ord som börjar på S, vilket drastiskt minskar dess antal kandidater. På motsvarande sätt borde ett helt korsord kunna genereras </a:t>
+            </a:r>
+            <a:r>
+              <a:rPr lang="sv-SE" dirty="0" err="1"/>
+              <a:t>m.h.a</a:t>
+            </a:r>
+            <a:r>
+              <a:rPr lang="sv-SE" dirty="0"/>
+              <a:t>. WFC.</a:t>
+            </a:r>
+          </a:p>
+        </p:txBody>
+      </p:sp>
+      <p:sp>
+        <p:nvSpPr>
+          <p:cNvPr id="4" name="Platshållare för bildnummer 3"/>
+          <p:cNvSpPr>
+            <a:spLocks noGrp="1"/>
+          </p:cNvSpPr>
+          <p:nvPr>
+            <p:ph type="sldNum" sz="quarter" idx="5"/>
+          </p:nvPr>
+        </p:nvSpPr>
+        <p:spPr/>
+        <p:txBody>
+          <a:bodyPr/>
+          <a:lstStyle/>
+          <a:p>
+            <a:fld id="{88FD1F31-4487-4D67-846D-255077BA2B6A}" type="slidenum">
+              <a:rPr lang="sv-SE" smtClean="0"/>
+              <a:t>5</a:t>
+            </a:fld>
+            <a:endParaRPr lang="sv-SE"/>
+          </a:p>
+        </p:txBody>
+      </p:sp>
+    </p:spTree>
+    <p:extLst>
+      <p:ext uri="{BB962C8B-B14F-4D97-AF65-F5344CB8AC3E}">
+        <p14:creationId xmlns:p14="http://schemas.microsoft.com/office/powerpoint/2010/main" val="1377345995"/>
+      </p:ext>
+    </p:extLst>
+  </p:cSld>
+  <p:clrMapOvr>
+    <a:masterClrMapping/>
+  </p:clrMapOvr>
+</p:notes>
+</file>
+
+<file path=ppt/notesSlides/notesSlide6.xml><?xml version="1.0" encoding="utf-8"?>
+<p:notes xmlns:a="http://schemas.openxmlformats.org/drawingml/2006/main" xmlns:r="http://schemas.openxmlformats.org/officeDocument/2006/relationships" xmlns:p="http://schemas.openxmlformats.org/presentationml/2006/main">
+  <p:cSld>
+    <p:spTree>
+      <p:nvGrpSpPr>
+        <p:cNvPr id="1" name=""/>
+        <p:cNvGrpSpPr/>
+        <p:nvPr/>
+      </p:nvGrpSpPr>
+      <p:grpSpPr>
+        <a:xfrm>
+          <a:off x="0" y="0"/>
+          <a:ext cx="0" cy="0"/>
+          <a:chOff x="0" y="0"/>
+          <a:chExt cx="0" cy="0"/>
+        </a:xfrm>
+      </p:grpSpPr>
+      <p:sp>
+        <p:nvSpPr>
+          <p:cNvPr id="2" name="Platshållare för bildobjekt 1"/>
+          <p:cNvSpPr>
+            <a:spLocks noGrp="1" noRot="1" noChangeAspect="1"/>
+          </p:cNvSpPr>
+          <p:nvPr>
+            <p:ph type="sldImg"/>
+          </p:nvPr>
+        </p:nvSpPr>
+        <p:spPr/>
+      </p:sp>
+      <p:sp>
+        <p:nvSpPr>
+          <p:cNvPr id="3" name="Platshållare för anteckningar 2"/>
+          <p:cNvSpPr>
+            <a:spLocks noGrp="1"/>
+          </p:cNvSpPr>
+          <p:nvPr>
+            <p:ph type="body" idx="1"/>
+          </p:nvPr>
+        </p:nvSpPr>
+        <p:spPr/>
+        <p:txBody>
+          <a:bodyPr/>
+          <a:lstStyle/>
+          <a:p>
+            <a:r>
+              <a:rPr lang="sv-SE" dirty="0"/>
+              <a:t>Jag har fått många lärdomar från det här projektet.</a:t>
+            </a:r>
+          </a:p>
+          <a:p>
+            <a:endParaRPr lang="sv-SE" dirty="0"/>
+          </a:p>
+          <a:p>
+            <a:r>
+              <a:rPr lang="sv-SE" dirty="0"/>
+              <a:t>En lärdom är erfarenhet av UI-design där jag har försökt göra ett intuitivt gränssnitt, spara tillstånd med UNDO/REDO osv.</a:t>
+            </a:r>
+          </a:p>
+          <a:p>
+            <a:endParaRPr lang="sv-SE" dirty="0"/>
+          </a:p>
+          <a:p>
+            <a:r>
+              <a:rPr lang="sv-SE" dirty="0"/>
+              <a:t>En relaterad insikt är just hur många småfeatures som finns i UI-design som är lätta att ta för givet. Exempelvis att muspekaren byter form till en hand när den är över något som kan interageras med känns som en självklarhet, men det är ju såklart något som någon måste programmera.</a:t>
+            </a:r>
+          </a:p>
+          <a:p>
+            <a:endParaRPr lang="sv-SE" dirty="0"/>
+          </a:p>
+          <a:p>
+            <a:r>
+              <a:rPr lang="sv-SE" dirty="0"/>
+              <a:t>En tredje insikt är </a:t>
+            </a:r>
+            <a:r>
+              <a:rPr lang="sv-SE" dirty="0" err="1"/>
+              <a:t>generalla</a:t>
+            </a:r>
+            <a:r>
+              <a:rPr lang="sv-SE" dirty="0"/>
+              <a:t> lärdomar om WFC och GG, och hur de kan användas för att göra en Sudoku-generator. Detta kan vara användbart om jag exempelvis vill göra spel med </a:t>
+            </a:r>
+            <a:r>
+              <a:rPr lang="sv-SE" dirty="0" err="1"/>
+              <a:t>dungeon</a:t>
+            </a:r>
+            <a:r>
+              <a:rPr lang="sv-SE" dirty="0"/>
+              <a:t>-generering eller liknande i framtiden, eftersom samma tekniker används där.</a:t>
+            </a:r>
+          </a:p>
+        </p:txBody>
+      </p:sp>
+      <p:sp>
+        <p:nvSpPr>
+          <p:cNvPr id="4" name="Platshållare för bildnummer 3"/>
+          <p:cNvSpPr>
+            <a:spLocks noGrp="1"/>
+          </p:cNvSpPr>
+          <p:nvPr>
+            <p:ph type="sldNum" sz="quarter" idx="5"/>
+          </p:nvPr>
+        </p:nvSpPr>
+        <p:spPr/>
+        <p:txBody>
+          <a:bodyPr/>
+          <a:lstStyle/>
+          <a:p>
+            <a:fld id="{88FD1F31-4487-4D67-846D-255077BA2B6A}" type="slidenum">
+              <a:rPr lang="sv-SE" smtClean="0"/>
+              <a:t>6</a:t>
+            </a:fld>
+            <a:endParaRPr lang="sv-SE"/>
+          </a:p>
+        </p:txBody>
+      </p:sp>
+    </p:spTree>
+    <p:extLst>
+      <p:ext uri="{BB962C8B-B14F-4D97-AF65-F5344CB8AC3E}">
+        <p14:creationId xmlns:p14="http://schemas.microsoft.com/office/powerpoint/2010/main" val="638132057"/>
+      </p:ext>
+    </p:extLst>
+  </p:cSld>
+  <p:clrMapOvr>
+    <a:masterClrMapping/>
+  </p:clrMapOvr>
+</p:notes>
+</file>
+
+<file path=ppt/notesSlides/notesSlide7.xml><?xml version="1.0" encoding="utf-8"?>
+<p:notes xmlns:a="http://schemas.openxmlformats.org/drawingml/2006/main" xmlns:r="http://schemas.openxmlformats.org/officeDocument/2006/relationships" xmlns:p="http://schemas.openxmlformats.org/presentationml/2006/main">
+  <p:cSld>
+    <p:spTree>
+      <p:nvGrpSpPr>
+        <p:cNvPr id="1" name=""/>
+        <p:cNvGrpSpPr/>
+        <p:nvPr/>
+      </p:nvGrpSpPr>
+      <p:grpSpPr>
+        <a:xfrm>
+          <a:off x="0" y="0"/>
+          <a:ext cx="0" cy="0"/>
+          <a:chOff x="0" y="0"/>
+          <a:chExt cx="0" cy="0"/>
+        </a:xfrm>
+      </p:grpSpPr>
+      <p:sp>
+        <p:nvSpPr>
+          <p:cNvPr id="2" name="Platshållare för bildobjekt 1"/>
+          <p:cNvSpPr>
+            <a:spLocks noGrp="1" noRot="1" noChangeAspect="1"/>
+          </p:cNvSpPr>
+          <p:nvPr>
+            <p:ph type="sldImg"/>
+          </p:nvPr>
+        </p:nvSpPr>
+        <p:spPr/>
+      </p:sp>
+      <p:sp>
+        <p:nvSpPr>
+          <p:cNvPr id="3" name="Platshållare för anteckningar 2"/>
+          <p:cNvSpPr>
+            <a:spLocks noGrp="1"/>
+          </p:cNvSpPr>
+          <p:nvPr>
+            <p:ph type="body" idx="1"/>
+          </p:nvPr>
+        </p:nvSpPr>
+        <p:spPr/>
+        <p:txBody>
+          <a:bodyPr/>
+          <a:lstStyle/>
+          <a:p>
+            <a:r>
+              <a:rPr lang="sv-SE" dirty="0"/>
+              <a:t>Några av de källor jag använt är ett </a:t>
+            </a:r>
+            <a:r>
+              <a:rPr lang="sv-SE" dirty="0" err="1"/>
+              <a:t>youtube</a:t>
+            </a:r>
+            <a:r>
+              <a:rPr lang="sv-SE" dirty="0"/>
+              <a:t>-klipp från Martin Donald som beskrev hur WFC fungerar.</a:t>
+            </a:r>
+          </a:p>
+          <a:p>
+            <a:endParaRPr lang="sv-SE" dirty="0"/>
+          </a:p>
+          <a:p>
+            <a:r>
+              <a:rPr lang="sv-SE" dirty="0"/>
+              <a:t>Från </a:t>
+            </a:r>
+            <a:r>
+              <a:rPr lang="sv-SE" dirty="0" err="1"/>
+              <a:t>wikipedia</a:t>
+            </a:r>
+            <a:r>
+              <a:rPr lang="sv-SE" dirty="0"/>
+              <a:t> har jag hämtat definitioner av </a:t>
+            </a:r>
+            <a:r>
+              <a:rPr lang="sv-SE" dirty="0" err="1"/>
+              <a:t>Procedurell</a:t>
+            </a:r>
+            <a:r>
+              <a:rPr lang="sv-SE" dirty="0"/>
+              <a:t> generering, WFC och GG. </a:t>
+            </a:r>
+          </a:p>
+          <a:p>
+            <a:endParaRPr lang="sv-SE" dirty="0"/>
+          </a:p>
+          <a:p>
+            <a:r>
+              <a:rPr lang="sv-SE" dirty="0"/>
+              <a:t>Många av mina features har jag härmat från spelet Svens Sudoku </a:t>
+            </a:r>
+            <a:r>
+              <a:rPr lang="sv-SE" dirty="0" err="1"/>
+              <a:t>Pad</a:t>
+            </a:r>
+            <a:r>
+              <a:rPr lang="sv-SE" dirty="0"/>
+              <a:t>. </a:t>
+            </a:r>
+          </a:p>
+          <a:p>
+            <a:endParaRPr lang="sv-SE" dirty="0"/>
+          </a:p>
+          <a:p>
+            <a:r>
+              <a:rPr lang="sv-SE" dirty="0"/>
+              <a:t>Slutligen har jag haft stor användning av hemsidan Sudoku-solutions.com för att kunna testa många av mina funktioner.</a:t>
+            </a:r>
+          </a:p>
+          <a:p>
+            <a:endParaRPr lang="sv-SE" dirty="0"/>
+          </a:p>
+          <a:p>
+            <a:r>
+              <a:rPr lang="sv-SE" dirty="0"/>
+              <a:t>Tack för mig!</a:t>
+            </a:r>
+          </a:p>
+          <a:p>
+            <a:endParaRPr lang="sv-SE" dirty="0"/>
+          </a:p>
+          <a:p>
+            <a:endParaRPr lang="sv-SE" dirty="0"/>
+          </a:p>
+          <a:p>
+            <a:endParaRPr lang="sv-SE" dirty="0"/>
+          </a:p>
+          <a:p>
+            <a:endParaRPr lang="sv-SE" dirty="0"/>
+          </a:p>
+        </p:txBody>
+      </p:sp>
+      <p:sp>
+        <p:nvSpPr>
+          <p:cNvPr id="4" name="Platshållare för bildnummer 3"/>
+          <p:cNvSpPr>
+            <a:spLocks noGrp="1"/>
+          </p:cNvSpPr>
+          <p:nvPr>
+            <p:ph type="sldNum" sz="quarter" idx="5"/>
+          </p:nvPr>
+        </p:nvSpPr>
+        <p:spPr/>
+        <p:txBody>
+          <a:bodyPr/>
+          <a:lstStyle/>
+          <a:p>
+            <a:fld id="{88FD1F31-4487-4D67-846D-255077BA2B6A}" type="slidenum">
+              <a:rPr lang="sv-SE" smtClean="0"/>
+              <a:t>7</a:t>
+            </a:fld>
+            <a:endParaRPr lang="sv-SE"/>
+          </a:p>
+        </p:txBody>
+      </p:sp>
+    </p:spTree>
+    <p:extLst>
+      <p:ext uri="{BB962C8B-B14F-4D97-AF65-F5344CB8AC3E}">
+        <p14:creationId xmlns:p14="http://schemas.microsoft.com/office/powerpoint/2010/main" val="3743748192"/>
+      </p:ext>
+    </p:extLst>
+  </p:cSld>
+  <p:clrMapOvr>
+    <a:masterClrMapping/>
+  </p:clrMapOvr>
+</p:notes>
 </file>
 
 <file path=ppt/slideLayouts/slideLayout1.xml><?xml version="1.0" encoding="utf-8"?>
@@ -3384,12 +4651,8 @@
               <a:t>Procedurell</a:t>
             </a:r>
             <a:r>
-              <a:rPr lang="sv-SE"/>
-              <a:t> Generering: </a:t>
-            </a:r>
-            <a:r>
-              <a:rPr lang="sv-SE" dirty="0"/>
-              <a:t>utvärdering </a:t>
+              <a:rPr lang="sv-SE" dirty="0"/>
+              <a:t> Generering: Utvärdering </a:t>
             </a:r>
           </a:p>
         </p:txBody>
@@ -3504,7 +4767,7 @@
         <p:spPr>
           <a:xfrm>
             <a:off x="1055440" y="1844824"/>
-            <a:ext cx="10081120" cy="1754326"/>
+            <a:ext cx="10081120" cy="3139321"/>
           </a:xfrm>
           <a:prstGeom prst="rect">
             <a:avLst/>
@@ -3517,18 +4780,105 @@
           </a:bodyPr>
           <a:lstStyle/>
           <a:p>
-            <a:r>
-              <a:rPr lang="sv-SE" dirty="0"/>
-              <a:t>Kommentar. Här ska du beskriva styrkor i spelprototypen och spelupplevelsen. Beskrivningen ska kopplas till den valda AI-teknologin. </a:t>
-            </a:r>
-          </a:p>
-          <a:p>
+            <a:pPr marL="285750" indent="-285750">
+              <a:buFontTx/>
+              <a:buChar char="-"/>
+            </a:pPr>
+            <a:r>
+              <a:rPr lang="sv-SE" dirty="0"/>
+              <a:t>Slumpmässigt pussel -&gt; unik spelupplevelse varje gång - finns ~10^21 olika sudokun (</a:t>
+            </a:r>
+            <a:r>
+              <a:rPr lang="sv-SE" dirty="0" err="1"/>
+              <a:t>Technology</a:t>
+            </a:r>
+            <a:r>
+              <a:rPr lang="sv-SE" dirty="0"/>
+              <a:t> Review, 2012). </a:t>
+            </a:r>
+            <a:br>
+              <a:rPr lang="sv-SE" dirty="0"/>
+            </a:br>
             <a:endParaRPr lang="sv-SE" dirty="0"/>
           </a:p>
           <a:p>
-            <a:r>
-              <a:rPr lang="sv-SE" dirty="0"/>
-              <a:t>Kommentar. Om du behöver mer än en bild för samma rubrik i presentationen så kan du använda samma rubrik flera gånger med numrering, till exempel: ”Analys: styrkor (1 av 2)” och ” Analys: styrkor (2 av 2)”.</a:t>
+            <a:pPr marL="285750" indent="-285750">
+              <a:buFontTx/>
+              <a:buChar char="-"/>
+            </a:pPr>
+            <a:r>
+              <a:rPr lang="sv-SE" dirty="0" err="1"/>
+              <a:t>HumanlySolvable</a:t>
+            </a:r>
+            <a:r>
+              <a:rPr lang="sv-SE" dirty="0"/>
+              <a:t>-check garanterar att pusslet är någorlunda tillfredsställande att lösa</a:t>
+            </a:r>
+            <a:br>
+              <a:rPr lang="sv-SE" dirty="0"/>
+            </a:br>
+            <a:endParaRPr lang="sv-SE" dirty="0"/>
+          </a:p>
+          <a:p>
+            <a:pPr marL="285750" indent="-285750">
+              <a:buFontTx/>
+              <a:buChar char="-"/>
+            </a:pPr>
+            <a:r>
+              <a:rPr lang="sv-SE" dirty="0"/>
+              <a:t>4 olika svårighetsgrader gör att vem som helst kan spela spelet</a:t>
+            </a:r>
+            <a:br>
+              <a:rPr lang="sv-SE" dirty="0"/>
+            </a:br>
+            <a:endParaRPr lang="sv-SE" dirty="0"/>
+          </a:p>
+          <a:p>
+            <a:pPr marL="285750" indent="-285750">
+              <a:buFontTx/>
+              <a:buChar char="-"/>
+            </a:pPr>
+            <a:r>
+              <a:rPr lang="sv-SE" dirty="0"/>
+              <a:t>Features i UI (stödmarkeringar, </a:t>
+            </a:r>
+            <a:r>
+              <a:rPr lang="sv-SE" dirty="0" err="1"/>
+              <a:t>multiselect</a:t>
+            </a:r>
+            <a:r>
+              <a:rPr lang="sv-SE" dirty="0"/>
+              <a:t>, </a:t>
+            </a:r>
+            <a:r>
+              <a:rPr lang="sv-SE" dirty="0" err="1"/>
+              <a:t>undo</a:t>
+            </a:r>
+            <a:r>
+              <a:rPr lang="sv-SE" dirty="0"/>
+              <a:t> </a:t>
+            </a:r>
+            <a:r>
+              <a:rPr lang="sv-SE" dirty="0" err="1"/>
+              <a:t>etc</a:t>
+            </a:r>
+            <a:r>
+              <a:rPr lang="sv-SE" dirty="0"/>
+              <a:t>) bidrar till spelupplevelsen</a:t>
+            </a:r>
+            <a:br>
+              <a:rPr lang="sv-SE" dirty="0"/>
+            </a:br>
+            <a:endParaRPr lang="sv-SE" dirty="0"/>
+          </a:p>
+          <a:p>
+            <a:pPr marL="285750" indent="-285750">
+              <a:buFontTx/>
+              <a:buChar char="-"/>
+            </a:pPr>
+            <a:r>
+              <a:rPr lang="sv-SE" dirty="0"/>
+              <a:t>Hint-knapp förhindrar frustration av att vara fast</a:t>
             </a:r>
           </a:p>
           <a:p>
@@ -3588,18 +4938,19 @@
           <a:lstStyle/>
           <a:p>
             <a:r>
-              <a:rPr lang="sv-SE" dirty="0"/>
+              <a:rPr lang="sv-SE"/>
               <a:t>Analys: svagheter</a:t>
             </a:r>
-          </a:p>
-        </p:txBody>
-      </p:sp>
-      <p:sp>
-        <p:nvSpPr>
-          <p:cNvPr id="4" name="TextBox 3">
-            <a:extLst>
-              <a:ext uri="{FF2B5EF4-FFF2-40B4-BE49-F238E27FC236}">
-                <a16:creationId xmlns:a16="http://schemas.microsoft.com/office/drawing/2014/main" id="{C73956B0-E86E-1D6C-48EF-35FDD38B1CF2}"/>
+            <a:endParaRPr lang="sv-SE" dirty="0"/>
+          </a:p>
+        </p:txBody>
+      </p:sp>
+      <p:sp>
+        <p:nvSpPr>
+          <p:cNvPr id="3" name="TextBox 3">
+            <a:extLst>
+              <a:ext uri="{FF2B5EF4-FFF2-40B4-BE49-F238E27FC236}">
+                <a16:creationId xmlns:a16="http://schemas.microsoft.com/office/drawing/2014/main" id="{25A0B93D-BC92-66BF-24AF-51FFB223D367}"/>
               </a:ext>
             </a:extLst>
           </p:cNvPr>
@@ -3608,8 +4959,8 @@
         </p:nvSpPr>
         <p:spPr>
           <a:xfrm>
-            <a:off x="1055440" y="1844824"/>
-            <a:ext cx="10081120" cy="646331"/>
+            <a:off x="1055440" y="1627482"/>
+            <a:ext cx="10081120" cy="2031325"/>
           </a:xfrm>
           <a:prstGeom prst="rect">
             <a:avLst/>
@@ -3622,13 +4973,106 @@
           </a:bodyPr>
           <a:lstStyle/>
           <a:p>
-            <a:r>
-              <a:rPr lang="sv-SE" dirty="0"/>
-              <a:t>Kommentar. Här ska du beskriva svagheter i spelprototypen och spelupplevelsen. Beskrivningen ska kopplas till den valda AI-teknologin.</a:t>
-            </a:r>
-          </a:p>
-        </p:txBody>
-      </p:sp>
+            <a:pPr marL="285750" indent="-285750">
+              <a:buFontTx/>
+              <a:buChar char="-"/>
+            </a:pPr>
+            <a:r>
+              <a:rPr lang="sv-SE"/>
+              <a:t>Ingen automatiskt testmiljö, varit beroende av slump+externa verktyg för att testa mina lösningsmetoder</a:t>
+            </a:r>
+          </a:p>
+          <a:p>
+            <a:endParaRPr lang="sv-SE"/>
+          </a:p>
+          <a:p>
+            <a:pPr marL="285750" indent="-285750">
+              <a:buFontTx/>
+              <a:buChar char="-"/>
+            </a:pPr>
+            <a:r>
+              <a:rPr lang="sv-SE"/>
+              <a:t>Slumpen avgör vilka lösningsstrategier som pusslet kräver</a:t>
+            </a:r>
+          </a:p>
+          <a:p>
+            <a:endParaRPr lang="sv-SE"/>
+          </a:p>
+          <a:p>
+            <a:pPr marL="285750" indent="-285750">
+              <a:buFontTx/>
+              <a:buChar char="-"/>
+            </a:pPr>
+            <a:r>
+              <a:rPr lang="sv-SE"/>
+              <a:t>Många features rushade, ej optimerade</a:t>
+            </a:r>
+          </a:p>
+          <a:p>
+            <a:endParaRPr lang="sv-SE" dirty="0"/>
+          </a:p>
+        </p:txBody>
+      </p:sp>
+      <p:pic>
+        <p:nvPicPr>
+          <p:cNvPr id="6" name="Bildobjekt 5">
+            <a:extLst>
+              <a:ext uri="{FF2B5EF4-FFF2-40B4-BE49-F238E27FC236}">
+                <a16:creationId xmlns:a16="http://schemas.microsoft.com/office/drawing/2014/main" id="{1C293E6E-A00F-2E3F-1D3C-817F08ADB00C}"/>
+              </a:ext>
+            </a:extLst>
+          </p:cNvPr>
+          <p:cNvPicPr>
+            <a:picLocks noChangeAspect="1"/>
+          </p:cNvPicPr>
+          <p:nvPr/>
+        </p:nvPicPr>
+        <p:blipFill>
+          <a:blip r:embed="rId3"/>
+          <a:stretch>
+            <a:fillRect/>
+          </a:stretch>
+        </p:blipFill>
+        <p:spPr>
+          <a:xfrm>
+            <a:off x="3215680" y="3559562"/>
+            <a:ext cx="3555479" cy="3077105"/>
+          </a:xfrm>
+          <a:prstGeom prst="rect">
+            <a:avLst/>
+          </a:prstGeom>
+        </p:spPr>
+      </p:pic>
+      <p:pic>
+        <p:nvPicPr>
+          <p:cNvPr id="10" name="Bildobjekt 9">
+            <a:extLst>
+              <a:ext uri="{FF2B5EF4-FFF2-40B4-BE49-F238E27FC236}">
+                <a16:creationId xmlns:a16="http://schemas.microsoft.com/office/drawing/2014/main" id="{B408D11D-B7C8-A09D-A691-9E566422F11A}"/>
+              </a:ext>
+            </a:extLst>
+          </p:cNvPr>
+          <p:cNvPicPr>
+            <a:picLocks noChangeAspect="1"/>
+          </p:cNvPicPr>
+          <p:nvPr/>
+        </p:nvPicPr>
+        <p:blipFill>
+          <a:blip r:embed="rId4"/>
+          <a:stretch>
+            <a:fillRect/>
+          </a:stretch>
+        </p:blipFill>
+        <p:spPr>
+          <a:xfrm>
+            <a:off x="7365397" y="3443867"/>
+            <a:ext cx="3132004" cy="3216004"/>
+          </a:xfrm>
+          <a:prstGeom prst="rect">
+            <a:avLst/>
+          </a:prstGeom>
+        </p:spPr>
+      </p:pic>
     </p:spTree>
     <p:extLst>
       <p:ext uri="{BB962C8B-B14F-4D97-AF65-F5344CB8AC3E}">
@@ -3689,10 +5133,10 @@
       </p:sp>
       <p:sp>
         <p:nvSpPr>
-          <p:cNvPr id="4" name="TextBox 3">
-            <a:extLst>
-              <a:ext uri="{FF2B5EF4-FFF2-40B4-BE49-F238E27FC236}">
-                <a16:creationId xmlns:a16="http://schemas.microsoft.com/office/drawing/2014/main" id="{C73956B0-E86E-1D6C-48EF-35FDD38B1CF2}"/>
+          <p:cNvPr id="3" name="TextBox 3">
+            <a:extLst>
+              <a:ext uri="{FF2B5EF4-FFF2-40B4-BE49-F238E27FC236}">
+                <a16:creationId xmlns:a16="http://schemas.microsoft.com/office/drawing/2014/main" id="{767FE644-6698-85B5-B85B-608CC518A1AA}"/>
               </a:ext>
             </a:extLst>
           </p:cNvPr>
@@ -3701,8 +5145,8 @@
         </p:nvSpPr>
         <p:spPr>
           <a:xfrm>
-            <a:off x="1055440" y="1844824"/>
-            <a:ext cx="10081120" cy="646331"/>
+            <a:off x="1055440" y="1627482"/>
+            <a:ext cx="10081120" cy="2862322"/>
           </a:xfrm>
           <a:prstGeom prst="rect">
             <a:avLst/>
@@ -3715,10 +5159,94 @@
           </a:bodyPr>
           <a:lstStyle/>
           <a:p>
-            <a:r>
-              <a:rPr lang="sv-SE" dirty="0"/>
-              <a:t>Kommentar. Här ska du beskriva förbättringsmöjligheter i spelprototypen och spelupplevelsen. Beskrivningen ska kopplas till den valda AI-teknologin.</a:t>
-            </a:r>
+            <a:pPr marL="285750" indent="-285750">
+              <a:buFontTx/>
+              <a:buChar char="-"/>
+            </a:pPr>
+            <a:r>
+              <a:rPr lang="sv-SE" dirty="0"/>
+              <a:t>Gör automatiserade tester för alla möjligt fall för alla lösningsalgoritmer</a:t>
+            </a:r>
+            <a:br>
+              <a:rPr lang="sv-SE" dirty="0"/>
+            </a:br>
+            <a:endParaRPr lang="sv-SE" dirty="0"/>
+          </a:p>
+          <a:p>
+            <a:pPr marL="285750" indent="-285750">
+              <a:buFontTx/>
+              <a:buChar char="-"/>
+            </a:pPr>
+            <a:r>
+              <a:rPr lang="sv-SE" dirty="0"/>
+              <a:t>Gör stöd för att ange eget pussel (bra för testning och spelupplevelse)</a:t>
+            </a:r>
+          </a:p>
+          <a:p>
+            <a:endParaRPr lang="sv-SE" dirty="0"/>
+          </a:p>
+          <a:p>
+            <a:pPr marL="285750" indent="-285750">
+              <a:buFontTx/>
+              <a:buChar char="-"/>
+            </a:pPr>
+            <a:r>
+              <a:rPr lang="sv-SE" dirty="0"/>
+              <a:t>Lägg till </a:t>
+            </a:r>
+            <a:r>
+              <a:rPr lang="sv-SE" dirty="0" err="1"/>
+              <a:t>loading</a:t>
+            </a:r>
+            <a:r>
+              <a:rPr lang="sv-SE" dirty="0"/>
+              <a:t> </a:t>
+            </a:r>
+            <a:r>
+              <a:rPr lang="sv-SE" dirty="0" err="1"/>
+              <a:t>screen</a:t>
+            </a:r>
+            <a:r>
+              <a:rPr lang="sv-SE" dirty="0"/>
+              <a:t> under tid som pussel genereras</a:t>
+            </a:r>
+          </a:p>
+          <a:p>
+            <a:pPr marL="285750" indent="-285750">
+              <a:buFontTx/>
+              <a:buChar char="-"/>
+            </a:pPr>
+            <a:endParaRPr lang="sv-SE" dirty="0"/>
+          </a:p>
+          <a:p>
+            <a:pPr marL="285750" indent="-285750">
+              <a:buFontTx/>
+              <a:buChar char="-"/>
+            </a:pPr>
+            <a:r>
+              <a:rPr lang="sv-SE" dirty="0"/>
+              <a:t>Spara senast spelade pusslet</a:t>
+            </a:r>
+          </a:p>
+          <a:p>
+            <a:pPr marL="285750" indent="-285750">
+              <a:buFontTx/>
+              <a:buChar char="-"/>
+            </a:pPr>
+            <a:endParaRPr lang="sv-SE" dirty="0"/>
+          </a:p>
+          <a:p>
+            <a:pPr marL="285750" indent="-285750">
+              <a:buFontTx/>
+              <a:buChar char="-"/>
+            </a:pPr>
+            <a:r>
+              <a:rPr lang="sv-SE" dirty="0"/>
+              <a:t>Om möjligt, skapa algoritm som garanterar att vissa strategier krävs</a:t>
+            </a:r>
+          </a:p>
+          <a:p>
+            <a:endParaRPr lang="sv-SE" dirty="0"/>
           </a:p>
         </p:txBody>
       </p:sp>
@@ -3794,7 +5322,7 @@
         </p:nvSpPr>
         <p:spPr>
           <a:xfrm>
-            <a:off x="1055440" y="1844824"/>
+            <a:off x="432460" y="1909671"/>
             <a:ext cx="10081120" cy="1200329"/>
           </a:xfrm>
           <a:prstGeom prst="rect">
@@ -3808,10 +5336,584 @@
           </a:bodyPr>
           <a:lstStyle/>
           <a:p>
-            <a:r>
-              <a:rPr lang="sv-SE" dirty="0"/>
-              <a:t>Kommentar. Här ska du beskriva intressanta aspekter med tydlig koppling till AI i dataspel. Beskrivningen ska utgå ifrån analysen (styrkor, svagheter och förbättringsmöjligheter) och ha en tydlig koppling till det aktuella AI-området. Du väljer själv vad du vill fokusera på här, se startsidan i Canvas för förslag på innehåll.</a:t>
-            </a:r>
+            <a:pPr marL="285750" indent="-285750">
+              <a:buFontTx/>
+              <a:buChar char="-"/>
+            </a:pPr>
+            <a:r>
+              <a:rPr lang="sv-SE" dirty="0"/>
+              <a:t>Kan användas som stödverktyg för att skapa egna pussel som senare används i spel</a:t>
+            </a:r>
+          </a:p>
+          <a:p>
+            <a:pPr marL="285750" indent="-285750">
+              <a:buFontTx/>
+              <a:buChar char="-"/>
+            </a:pPr>
+            <a:endParaRPr lang="sv-SE" dirty="0"/>
+          </a:p>
+          <a:p>
+            <a:pPr marL="285750" indent="-285750">
+              <a:buFontTx/>
+              <a:buChar char="-"/>
+            </a:pPr>
+            <a:r>
+              <a:rPr lang="sv-SE" dirty="0"/>
+              <a:t>Metoderna som har använts kan generaliseras till många andra likartade spel (t.ex. korsord)</a:t>
+            </a:r>
+          </a:p>
+          <a:p>
+            <a:pPr marL="285750" indent="-285750">
+              <a:buFontTx/>
+              <a:buChar char="-"/>
+            </a:pPr>
+            <a:endParaRPr lang="sv-SE" dirty="0"/>
+          </a:p>
+        </p:txBody>
+      </p:sp>
+      <p:sp>
+        <p:nvSpPr>
+          <p:cNvPr id="6" name="Rektangel 5">
+            <a:extLst>
+              <a:ext uri="{FF2B5EF4-FFF2-40B4-BE49-F238E27FC236}">
+                <a16:creationId xmlns:a16="http://schemas.microsoft.com/office/drawing/2014/main" id="{C159229A-9C61-0E27-BE90-3C3063E7CEE8}"/>
+              </a:ext>
+            </a:extLst>
+          </p:cNvPr>
+          <p:cNvSpPr/>
+          <p:nvPr/>
+        </p:nvSpPr>
+        <p:spPr>
+          <a:xfrm>
+            <a:off x="9984432" y="1830820"/>
+            <a:ext cx="504056" cy="504056"/>
+          </a:xfrm>
+          <a:prstGeom prst="rect">
+            <a:avLst/>
+          </a:prstGeom>
+          <a:solidFill>
+            <a:schemeClr val="bg2"/>
+          </a:solidFill>
+        </p:spPr>
+        <p:style>
+          <a:lnRef idx="2">
+            <a:schemeClr val="accent1">
+              <a:shade val="50000"/>
+            </a:schemeClr>
+          </a:lnRef>
+          <a:fillRef idx="1">
+            <a:schemeClr val="accent1"/>
+          </a:fillRef>
+          <a:effectRef idx="0">
+            <a:schemeClr val="accent1"/>
+          </a:effectRef>
+          <a:fontRef idx="minor">
+            <a:schemeClr val="lt1"/>
+          </a:fontRef>
+        </p:style>
+        <p:txBody>
+          <a:bodyPr rtlCol="0" anchor="ctr"/>
+          <a:lstStyle/>
+          <a:p>
+            <a:pPr algn="ctr"/>
+            <a:r>
+              <a:rPr lang="sv-SE" dirty="0">
+                <a:ln w="0"/>
+                <a:solidFill>
+                  <a:schemeClr val="tx1"/>
+                </a:solidFill>
+                <a:effectLst>
+                  <a:outerShdw blurRad="38100" dist="19050" dir="2700000" algn="tl" rotWithShape="0">
+                    <a:schemeClr val="dk1">
+                      <a:alpha val="40000"/>
+                    </a:schemeClr>
+                  </a:outerShdw>
+                </a:effectLst>
+              </a:rPr>
+              <a:t>S</a:t>
+            </a:r>
+            <a:endParaRPr lang="sv-SE" dirty="0"/>
+          </a:p>
+        </p:txBody>
+      </p:sp>
+      <p:sp>
+        <p:nvSpPr>
+          <p:cNvPr id="7" name="Rektangel 6">
+            <a:extLst>
+              <a:ext uri="{FF2B5EF4-FFF2-40B4-BE49-F238E27FC236}">
+                <a16:creationId xmlns:a16="http://schemas.microsoft.com/office/drawing/2014/main" id="{438662A1-D301-15B5-7811-DE13BCF31E6B}"/>
+              </a:ext>
+            </a:extLst>
+          </p:cNvPr>
+          <p:cNvSpPr/>
+          <p:nvPr/>
+        </p:nvSpPr>
+        <p:spPr>
+          <a:xfrm>
+            <a:off x="10488488" y="1830820"/>
+            <a:ext cx="504056" cy="504056"/>
+          </a:xfrm>
+          <a:prstGeom prst="rect">
+            <a:avLst/>
+          </a:prstGeom>
+          <a:solidFill>
+            <a:schemeClr val="bg2"/>
+          </a:solidFill>
+        </p:spPr>
+        <p:style>
+          <a:lnRef idx="2">
+            <a:schemeClr val="accent1">
+              <a:shade val="50000"/>
+            </a:schemeClr>
+          </a:lnRef>
+          <a:fillRef idx="1">
+            <a:schemeClr val="accent1"/>
+          </a:fillRef>
+          <a:effectRef idx="0">
+            <a:schemeClr val="accent1"/>
+          </a:effectRef>
+          <a:fontRef idx="minor">
+            <a:schemeClr val="lt1"/>
+          </a:fontRef>
+        </p:style>
+        <p:txBody>
+          <a:bodyPr rtlCol="0" anchor="ctr"/>
+          <a:lstStyle/>
+          <a:p>
+            <a:pPr algn="ctr"/>
+            <a:r>
+              <a:rPr lang="sv-SE" dirty="0"/>
+              <a:t>P</a:t>
+            </a:r>
+          </a:p>
+        </p:txBody>
+      </p:sp>
+      <p:sp>
+        <p:nvSpPr>
+          <p:cNvPr id="8" name="Rektangel 7">
+            <a:extLst>
+              <a:ext uri="{FF2B5EF4-FFF2-40B4-BE49-F238E27FC236}">
+                <a16:creationId xmlns:a16="http://schemas.microsoft.com/office/drawing/2014/main" id="{A48BAEBE-F546-9A72-AC7C-9D28F29AFD8C}"/>
+              </a:ext>
+            </a:extLst>
+          </p:cNvPr>
+          <p:cNvSpPr/>
+          <p:nvPr/>
+        </p:nvSpPr>
+        <p:spPr>
+          <a:xfrm>
+            <a:off x="10992544" y="1830820"/>
+            <a:ext cx="504056" cy="504056"/>
+          </a:xfrm>
+          <a:prstGeom prst="rect">
+            <a:avLst/>
+          </a:prstGeom>
+          <a:solidFill>
+            <a:schemeClr val="bg2"/>
+          </a:solidFill>
+        </p:spPr>
+        <p:style>
+          <a:lnRef idx="2">
+            <a:schemeClr val="accent1">
+              <a:shade val="50000"/>
+            </a:schemeClr>
+          </a:lnRef>
+          <a:fillRef idx="1">
+            <a:schemeClr val="accent1"/>
+          </a:fillRef>
+          <a:effectRef idx="0">
+            <a:schemeClr val="accent1"/>
+          </a:effectRef>
+          <a:fontRef idx="minor">
+            <a:schemeClr val="lt1"/>
+          </a:fontRef>
+        </p:style>
+        <p:txBody>
+          <a:bodyPr rtlCol="0" anchor="ctr"/>
+          <a:lstStyle/>
+          <a:p>
+            <a:pPr algn="ctr"/>
+            <a:r>
+              <a:rPr lang="sv-SE" dirty="0"/>
+              <a:t>E</a:t>
+            </a:r>
+          </a:p>
+        </p:txBody>
+      </p:sp>
+      <p:sp>
+        <p:nvSpPr>
+          <p:cNvPr id="9" name="Rektangel 8">
+            <a:extLst>
+              <a:ext uri="{FF2B5EF4-FFF2-40B4-BE49-F238E27FC236}">
+                <a16:creationId xmlns:a16="http://schemas.microsoft.com/office/drawing/2014/main" id="{2C4B0D47-FA6F-4039-7D58-192733DD24FD}"/>
+              </a:ext>
+            </a:extLst>
+          </p:cNvPr>
+          <p:cNvSpPr/>
+          <p:nvPr/>
+        </p:nvSpPr>
+        <p:spPr>
+          <a:xfrm>
+            <a:off x="11496600" y="1830820"/>
+            <a:ext cx="504056" cy="504056"/>
+          </a:xfrm>
+          <a:prstGeom prst="rect">
+            <a:avLst/>
+          </a:prstGeom>
+          <a:solidFill>
+            <a:schemeClr val="bg2"/>
+          </a:solidFill>
+        </p:spPr>
+        <p:style>
+          <a:lnRef idx="2">
+            <a:schemeClr val="accent1">
+              <a:shade val="50000"/>
+            </a:schemeClr>
+          </a:lnRef>
+          <a:fillRef idx="1">
+            <a:schemeClr val="accent1"/>
+          </a:fillRef>
+          <a:effectRef idx="0">
+            <a:schemeClr val="accent1"/>
+          </a:effectRef>
+          <a:fontRef idx="minor">
+            <a:schemeClr val="lt1"/>
+          </a:fontRef>
+        </p:style>
+        <p:txBody>
+          <a:bodyPr rtlCol="0" anchor="ctr"/>
+          <a:lstStyle/>
+          <a:p>
+            <a:pPr algn="ctr"/>
+            <a:r>
+              <a:rPr lang="sv-SE" dirty="0"/>
+              <a:t>L</a:t>
+            </a:r>
+          </a:p>
+        </p:txBody>
+      </p:sp>
+      <p:sp>
+        <p:nvSpPr>
+          <p:cNvPr id="13" name="Rektangel 12">
+            <a:extLst>
+              <a:ext uri="{FF2B5EF4-FFF2-40B4-BE49-F238E27FC236}">
+                <a16:creationId xmlns:a16="http://schemas.microsoft.com/office/drawing/2014/main" id="{6CECAC40-D1C4-E233-2477-DCB9F65E9803}"/>
+              </a:ext>
+            </a:extLst>
+          </p:cNvPr>
+          <p:cNvSpPr/>
+          <p:nvPr/>
+        </p:nvSpPr>
+        <p:spPr>
+          <a:xfrm>
+            <a:off x="9984432" y="2334876"/>
+            <a:ext cx="504056" cy="504056"/>
+          </a:xfrm>
+          <a:prstGeom prst="rect">
+            <a:avLst/>
+          </a:prstGeom>
+          <a:solidFill>
+            <a:schemeClr val="bg2"/>
+          </a:solidFill>
+        </p:spPr>
+        <p:style>
+          <a:lnRef idx="2">
+            <a:schemeClr val="accent1">
+              <a:shade val="50000"/>
+            </a:schemeClr>
+          </a:lnRef>
+          <a:fillRef idx="1">
+            <a:schemeClr val="accent1"/>
+          </a:fillRef>
+          <a:effectRef idx="0">
+            <a:schemeClr val="accent1"/>
+          </a:effectRef>
+          <a:fontRef idx="minor">
+            <a:schemeClr val="lt1"/>
+          </a:fontRef>
+        </p:style>
+        <p:txBody>
+          <a:bodyPr rtlCol="0" anchor="ctr"/>
+          <a:lstStyle/>
+          <a:p>
+            <a:pPr algn="ctr"/>
+            <a:r>
+              <a:rPr lang="sv-SE" dirty="0">
+                <a:ln w="0"/>
+                <a:solidFill>
+                  <a:schemeClr val="tx1"/>
+                </a:solidFill>
+                <a:effectLst>
+                  <a:outerShdw blurRad="38100" dist="19050" dir="2700000" algn="tl" rotWithShape="0">
+                    <a:schemeClr val="dk1">
+                      <a:alpha val="40000"/>
+                    </a:schemeClr>
+                  </a:outerShdw>
+                </a:effectLst>
+              </a:rPr>
+              <a:t>U</a:t>
+            </a:r>
+            <a:endParaRPr lang="sv-SE" dirty="0"/>
+          </a:p>
+        </p:txBody>
+      </p:sp>
+      <p:sp>
+        <p:nvSpPr>
+          <p:cNvPr id="16" name="Rektangel 15">
+            <a:extLst>
+              <a:ext uri="{FF2B5EF4-FFF2-40B4-BE49-F238E27FC236}">
+                <a16:creationId xmlns:a16="http://schemas.microsoft.com/office/drawing/2014/main" id="{B2501D2B-7352-A92C-BD36-3D889A26E9F8}"/>
+              </a:ext>
+            </a:extLst>
+          </p:cNvPr>
+          <p:cNvSpPr/>
+          <p:nvPr/>
+        </p:nvSpPr>
+        <p:spPr>
+          <a:xfrm>
+            <a:off x="9984432" y="2816677"/>
+            <a:ext cx="504056" cy="504056"/>
+          </a:xfrm>
+          <a:prstGeom prst="rect">
+            <a:avLst/>
+          </a:prstGeom>
+          <a:solidFill>
+            <a:schemeClr val="bg2"/>
+          </a:solidFill>
+        </p:spPr>
+        <p:style>
+          <a:lnRef idx="2">
+            <a:schemeClr val="accent1">
+              <a:shade val="50000"/>
+            </a:schemeClr>
+          </a:lnRef>
+          <a:fillRef idx="1">
+            <a:schemeClr val="accent1"/>
+          </a:fillRef>
+          <a:effectRef idx="0">
+            <a:schemeClr val="accent1"/>
+          </a:effectRef>
+          <a:fontRef idx="minor">
+            <a:schemeClr val="lt1"/>
+          </a:fontRef>
+        </p:style>
+        <p:txBody>
+          <a:bodyPr rtlCol="0" anchor="ctr"/>
+          <a:lstStyle/>
+          <a:p>
+            <a:pPr algn="ctr"/>
+            <a:r>
+              <a:rPr lang="sv-SE" dirty="0">
+                <a:ln w="0"/>
+                <a:solidFill>
+                  <a:schemeClr val="tx1"/>
+                </a:solidFill>
+                <a:effectLst>
+                  <a:outerShdw blurRad="38100" dist="19050" dir="2700000" algn="tl" rotWithShape="0">
+                    <a:schemeClr val="dk1">
+                      <a:alpha val="40000"/>
+                    </a:schemeClr>
+                  </a:outerShdw>
+                </a:effectLst>
+              </a:rPr>
+              <a:t>D</a:t>
+            </a:r>
+            <a:endParaRPr lang="sv-SE" dirty="0"/>
+          </a:p>
+        </p:txBody>
+      </p:sp>
+      <p:sp>
+        <p:nvSpPr>
+          <p:cNvPr id="17" name="Rektangel 16">
+            <a:extLst>
+              <a:ext uri="{FF2B5EF4-FFF2-40B4-BE49-F238E27FC236}">
+                <a16:creationId xmlns:a16="http://schemas.microsoft.com/office/drawing/2014/main" id="{E769A293-ADDB-9B10-C5D2-95B3B1643876}"/>
+              </a:ext>
+            </a:extLst>
+          </p:cNvPr>
+          <p:cNvSpPr/>
+          <p:nvPr/>
+        </p:nvSpPr>
+        <p:spPr>
+          <a:xfrm>
+            <a:off x="9984432" y="3328984"/>
+            <a:ext cx="504056" cy="504056"/>
+          </a:xfrm>
+          <a:prstGeom prst="rect">
+            <a:avLst/>
+          </a:prstGeom>
+          <a:solidFill>
+            <a:schemeClr val="bg2"/>
+          </a:solidFill>
+        </p:spPr>
+        <p:style>
+          <a:lnRef idx="2">
+            <a:schemeClr val="accent1">
+              <a:shade val="50000"/>
+            </a:schemeClr>
+          </a:lnRef>
+          <a:fillRef idx="1">
+            <a:schemeClr val="accent1"/>
+          </a:fillRef>
+          <a:effectRef idx="0">
+            <a:schemeClr val="accent1"/>
+          </a:effectRef>
+          <a:fontRef idx="minor">
+            <a:schemeClr val="lt1"/>
+          </a:fontRef>
+        </p:style>
+        <p:txBody>
+          <a:bodyPr rtlCol="0" anchor="ctr"/>
+          <a:lstStyle/>
+          <a:p>
+            <a:pPr algn="ctr"/>
+            <a:r>
+              <a:rPr lang="sv-SE" dirty="0">
+                <a:ln w="0"/>
+                <a:solidFill>
+                  <a:schemeClr val="tx1"/>
+                </a:solidFill>
+                <a:effectLst>
+                  <a:outerShdw blurRad="38100" dist="19050" dir="2700000" algn="tl" rotWithShape="0">
+                    <a:schemeClr val="dk1">
+                      <a:alpha val="40000"/>
+                    </a:schemeClr>
+                  </a:outerShdw>
+                </a:effectLst>
+              </a:rPr>
+              <a:t>O</a:t>
+            </a:r>
+            <a:endParaRPr lang="sv-SE" dirty="0"/>
+          </a:p>
+        </p:txBody>
+      </p:sp>
+      <p:sp>
+        <p:nvSpPr>
+          <p:cNvPr id="18" name="Rektangel 17">
+            <a:extLst>
+              <a:ext uri="{FF2B5EF4-FFF2-40B4-BE49-F238E27FC236}">
+                <a16:creationId xmlns:a16="http://schemas.microsoft.com/office/drawing/2014/main" id="{E554258B-FF68-38D4-1F06-8730EB365BE9}"/>
+              </a:ext>
+            </a:extLst>
+          </p:cNvPr>
+          <p:cNvSpPr/>
+          <p:nvPr/>
+        </p:nvSpPr>
+        <p:spPr>
+          <a:xfrm>
+            <a:off x="9984432" y="3833040"/>
+            <a:ext cx="504056" cy="504056"/>
+          </a:xfrm>
+          <a:prstGeom prst="rect">
+            <a:avLst/>
+          </a:prstGeom>
+          <a:solidFill>
+            <a:schemeClr val="bg2"/>
+          </a:solidFill>
+        </p:spPr>
+        <p:style>
+          <a:lnRef idx="2">
+            <a:schemeClr val="accent1">
+              <a:shade val="50000"/>
+            </a:schemeClr>
+          </a:lnRef>
+          <a:fillRef idx="1">
+            <a:schemeClr val="accent1"/>
+          </a:fillRef>
+          <a:effectRef idx="0">
+            <a:schemeClr val="accent1"/>
+          </a:effectRef>
+          <a:fontRef idx="minor">
+            <a:schemeClr val="lt1"/>
+          </a:fontRef>
+        </p:style>
+        <p:txBody>
+          <a:bodyPr rtlCol="0" anchor="ctr"/>
+          <a:lstStyle/>
+          <a:p>
+            <a:pPr algn="ctr"/>
+            <a:r>
+              <a:rPr lang="sv-SE" dirty="0">
+                <a:ln w="0"/>
+                <a:solidFill>
+                  <a:schemeClr val="tx1"/>
+                </a:solidFill>
+                <a:effectLst>
+                  <a:outerShdw blurRad="38100" dist="19050" dir="2700000" algn="tl" rotWithShape="0">
+                    <a:schemeClr val="dk1">
+                      <a:alpha val="40000"/>
+                    </a:schemeClr>
+                  </a:outerShdw>
+                </a:effectLst>
+              </a:rPr>
+              <a:t>K</a:t>
+            </a:r>
+            <a:endParaRPr lang="sv-SE" dirty="0"/>
+          </a:p>
+        </p:txBody>
+      </p:sp>
+      <p:sp>
+        <p:nvSpPr>
+          <p:cNvPr id="19" name="Rektangel 18">
+            <a:extLst>
+              <a:ext uri="{FF2B5EF4-FFF2-40B4-BE49-F238E27FC236}">
+                <a16:creationId xmlns:a16="http://schemas.microsoft.com/office/drawing/2014/main" id="{AAAB8005-CC74-89D3-9E77-742B1094CD51}"/>
+              </a:ext>
+            </a:extLst>
+          </p:cNvPr>
+          <p:cNvSpPr/>
+          <p:nvPr/>
+        </p:nvSpPr>
+        <p:spPr>
+          <a:xfrm>
+            <a:off x="9984432" y="4314841"/>
+            <a:ext cx="504056" cy="504056"/>
+          </a:xfrm>
+          <a:prstGeom prst="rect">
+            <a:avLst/>
+          </a:prstGeom>
+          <a:solidFill>
+            <a:schemeClr val="bg2"/>
+          </a:solidFill>
+        </p:spPr>
+        <p:style>
+          <a:lnRef idx="2">
+            <a:schemeClr val="accent1">
+              <a:shade val="50000"/>
+            </a:schemeClr>
+          </a:lnRef>
+          <a:fillRef idx="1">
+            <a:schemeClr val="accent1"/>
+          </a:fillRef>
+          <a:effectRef idx="0">
+            <a:schemeClr val="accent1"/>
+          </a:effectRef>
+          <a:fontRef idx="minor">
+            <a:schemeClr val="lt1"/>
+          </a:fontRef>
+        </p:style>
+        <p:txBody>
+          <a:bodyPr rtlCol="0" anchor="ctr"/>
+          <a:lstStyle/>
+          <a:p>
+            <a:pPr algn="ctr"/>
+            <a:r>
+              <a:rPr lang="sv-SE" dirty="0">
+                <a:ln w="0"/>
+                <a:solidFill>
+                  <a:schemeClr val="tx1"/>
+                </a:solidFill>
+                <a:effectLst>
+                  <a:outerShdw blurRad="38100" dist="19050" dir="2700000" algn="tl" rotWithShape="0">
+                    <a:schemeClr val="dk1">
+                      <a:alpha val="40000"/>
+                    </a:schemeClr>
+                  </a:outerShdw>
+                </a:effectLst>
+              </a:rPr>
+              <a:t>U</a:t>
+            </a:r>
+            <a:endParaRPr lang="sv-SE" dirty="0"/>
           </a:p>
         </p:txBody>
       </p:sp>
@@ -3845,6 +5947,66 @@
           <a:chExt cx="0" cy="0"/>
         </a:xfrm>
       </p:grpSpPr>
+      <p:pic>
+        <p:nvPicPr>
+          <p:cNvPr id="13" name="Bildobjekt 12">
+            <a:extLst>
+              <a:ext uri="{FF2B5EF4-FFF2-40B4-BE49-F238E27FC236}">
+                <a16:creationId xmlns:a16="http://schemas.microsoft.com/office/drawing/2014/main" id="{0CE865F9-5572-5A81-6C83-FAC06D623E66}"/>
+              </a:ext>
+            </a:extLst>
+          </p:cNvPr>
+          <p:cNvPicPr>
+            <a:picLocks noChangeAspect="1"/>
+          </p:cNvPicPr>
+          <p:nvPr/>
+        </p:nvPicPr>
+        <p:blipFill>
+          <a:blip r:embed="rId3"/>
+          <a:stretch>
+            <a:fillRect/>
+          </a:stretch>
+        </p:blipFill>
+        <p:spPr>
+          <a:xfrm>
+            <a:off x="2190192" y="3683000"/>
+            <a:ext cx="2152650" cy="2809875"/>
+          </a:xfrm>
+          <a:prstGeom prst="rect">
+            <a:avLst/>
+          </a:prstGeom>
+        </p:spPr>
+      </p:pic>
+      <p:pic>
+        <p:nvPicPr>
+          <p:cNvPr id="15" name="Bildobjekt 14">
+            <a:extLst>
+              <a:ext uri="{FF2B5EF4-FFF2-40B4-BE49-F238E27FC236}">
+                <a16:creationId xmlns:a16="http://schemas.microsoft.com/office/drawing/2014/main" id="{663744C8-613D-2559-3C34-BBD4156328FC}"/>
+              </a:ext>
+            </a:extLst>
+          </p:cNvPr>
+          <p:cNvPicPr>
+            <a:picLocks noChangeAspect="1"/>
+          </p:cNvPicPr>
+          <p:nvPr/>
+        </p:nvPicPr>
+        <p:blipFill>
+          <a:blip r:embed="rId3"/>
+          <a:stretch>
+            <a:fillRect/>
+          </a:stretch>
+        </p:blipFill>
+        <p:spPr>
+          <a:xfrm>
+            <a:off x="6888088" y="3682648"/>
+            <a:ext cx="2152650" cy="2809875"/>
+          </a:xfrm>
+          <a:prstGeom prst="rect">
+            <a:avLst/>
+          </a:prstGeom>
+        </p:spPr>
+      </p:pic>
       <p:sp>
         <p:nvSpPr>
           <p:cNvPr id="2" name="Title 1">
@@ -3888,7 +6050,7 @@
         <p:spPr>
           <a:xfrm>
             <a:off x="1055440" y="1844824"/>
-            <a:ext cx="10081120" cy="646331"/>
+            <a:ext cx="10081120" cy="1477328"/>
           </a:xfrm>
           <a:prstGeom prst="rect">
             <a:avLst/>
@@ -3903,11 +6065,121 @@
           <a:p>
             <a:r>
               <a:rPr lang="sv-SE" dirty="0"/>
-              <a:t>Kommentar. Här ska du beskriva minst tre generellt intressanta insikter du har fått under arbetet. Beskrivningen ska utgå från analysen och diskussionen samt ha en tydlig koppling till AI i dataspel. </a:t>
-            </a:r>
-          </a:p>
-        </p:txBody>
-      </p:sp>
+              <a:t>Lärdomar från projektet:</a:t>
+            </a:r>
+          </a:p>
+          <a:p>
+            <a:endParaRPr lang="sv-SE" dirty="0"/>
+          </a:p>
+          <a:p>
+            <a:pPr marL="342900" indent="-342900">
+              <a:buAutoNum type="arabicPeriod"/>
+            </a:pPr>
+            <a:r>
+              <a:rPr lang="sv-SE" dirty="0"/>
+              <a:t>UI-design (intuitivt gränssnitt, </a:t>
+            </a:r>
+            <a:r>
+              <a:rPr lang="sv-SE" dirty="0" err="1"/>
+              <a:t>undo</a:t>
+            </a:r>
+            <a:r>
+              <a:rPr lang="sv-SE" dirty="0"/>
+              <a:t>/redo)</a:t>
+            </a:r>
+          </a:p>
+          <a:p>
+            <a:pPr marL="342900" indent="-342900">
+              <a:buAutoNum type="arabicPeriod"/>
+            </a:pPr>
+            <a:r>
+              <a:rPr lang="sv-SE" dirty="0"/>
+              <a:t>Hur många småfeatures man tar för givet</a:t>
+            </a:r>
+          </a:p>
+          <a:p>
+            <a:pPr marL="342900" indent="-342900">
+              <a:buAutoNum type="arabicPeriod"/>
+            </a:pPr>
+            <a:r>
+              <a:rPr lang="sv-SE" dirty="0"/>
+              <a:t>WFC och GG</a:t>
+            </a:r>
+          </a:p>
+        </p:txBody>
+      </p:sp>
+      <p:pic>
+        <p:nvPicPr>
+          <p:cNvPr id="9" name="Bildobjekt 8" descr="En bild som visar symbol, Grafik, pixel, design&#10;&#10;Automatiskt genererad beskrivning">
+            <a:extLst>
+              <a:ext uri="{FF2B5EF4-FFF2-40B4-BE49-F238E27FC236}">
+                <a16:creationId xmlns:a16="http://schemas.microsoft.com/office/drawing/2014/main" id="{50E74D4F-4C37-4A17-2126-F132BEAB76E3}"/>
+              </a:ext>
+            </a:extLst>
+          </p:cNvPr>
+          <p:cNvPicPr>
+            <a:picLocks noChangeAspect="1"/>
+          </p:cNvPicPr>
+          <p:nvPr/>
+        </p:nvPicPr>
+        <p:blipFill>
+          <a:blip r:embed="rId4">
+            <a:extLst>
+              <a:ext uri="{28A0092B-C50C-407E-A947-70E740481C1C}">
+                <a14:useLocalDpi xmlns:a14="http://schemas.microsoft.com/office/drawing/2010/main" val="0"/>
+              </a:ext>
+            </a:extLst>
+          </a:blip>
+          <a:stretch>
+            <a:fillRect/>
+          </a:stretch>
+        </p:blipFill>
+        <p:spPr>
+          <a:xfrm>
+            <a:off x="2567608" y="4149080"/>
+            <a:ext cx="609600" cy="609600"/>
+          </a:xfrm>
+          <a:prstGeom prst="rect">
+            <a:avLst/>
+          </a:prstGeom>
+        </p:spPr>
+      </p:pic>
+      <p:pic>
+        <p:nvPicPr>
+          <p:cNvPr id="11" name="Bildobjekt 10" descr="En bild som visar Grafik, vit, design&#10;&#10;Automatiskt genererad beskrivning">
+            <a:extLst>
+              <a:ext uri="{FF2B5EF4-FFF2-40B4-BE49-F238E27FC236}">
+                <a16:creationId xmlns:a16="http://schemas.microsoft.com/office/drawing/2014/main" id="{2CC630E1-0EF6-27F9-7C68-92D14B09AD1E}"/>
+              </a:ext>
+            </a:extLst>
+          </p:cNvPr>
+          <p:cNvPicPr>
+            <a:picLocks noChangeAspect="1"/>
+          </p:cNvPicPr>
+          <p:nvPr/>
+        </p:nvPicPr>
+        <p:blipFill>
+          <a:blip r:embed="rId5">
+            <a:extLst>
+              <a:ext uri="{28A0092B-C50C-407E-A947-70E740481C1C}">
+                <a14:useLocalDpi xmlns:a14="http://schemas.microsoft.com/office/drawing/2010/main" val="0"/>
+              </a:ext>
+            </a:extLst>
+          </a:blip>
+          <a:stretch>
+            <a:fillRect/>
+          </a:stretch>
+        </p:blipFill>
+        <p:spPr>
+          <a:xfrm>
+            <a:off x="7104112" y="4096164"/>
+            <a:ext cx="609600" cy="609600"/>
+          </a:xfrm>
+          <a:prstGeom prst="rect">
+            <a:avLst/>
+          </a:prstGeom>
+        </p:spPr>
+      </p:pic>
     </p:spTree>
     <p:extLst>
       <p:ext uri="{BB962C8B-B14F-4D97-AF65-F5344CB8AC3E}">
@@ -3968,10 +6240,10 @@
       </p:sp>
       <p:sp>
         <p:nvSpPr>
-          <p:cNvPr id="4" name="TextBox 3">
-            <a:extLst>
-              <a:ext uri="{FF2B5EF4-FFF2-40B4-BE49-F238E27FC236}">
-                <a16:creationId xmlns:a16="http://schemas.microsoft.com/office/drawing/2014/main" id="{9AABC4C0-3F80-0ECF-2FED-8D50FCB1439D}"/>
+          <p:cNvPr id="5" name="textruta 4">
+            <a:extLst>
+              <a:ext uri="{FF2B5EF4-FFF2-40B4-BE49-F238E27FC236}">
+                <a16:creationId xmlns:a16="http://schemas.microsoft.com/office/drawing/2014/main" id="{86E2BE4A-E457-132B-B303-D528F1120F02}"/>
               </a:ext>
             </a:extLst>
           </p:cNvPr>
@@ -3980,8 +6252,8 @@
         </p:nvSpPr>
         <p:spPr>
           <a:xfrm>
-            <a:off x="1055440" y="1772816"/>
-            <a:ext cx="10081120" cy="1477328"/>
+            <a:off x="838200" y="1414562"/>
+            <a:ext cx="10873208" cy="5632311"/>
           </a:xfrm>
           <a:prstGeom prst="rect">
             <a:avLst/>
@@ -3994,27 +6266,341 @@
           </a:bodyPr>
           <a:lstStyle/>
           <a:p>
-            <a:r>
-              <a:rPr lang="sv-SE" dirty="0"/>
-              <a:t>Kommentar. Här ska du (1) lista källorna (källförteckning) och (2) redogöra för hur de har använts i arbetet (källöversikt).</a:t>
-            </a:r>
-          </a:p>
-          <a:p>
+            <a:endParaRPr lang="en-US" dirty="0"/>
+          </a:p>
+          <a:p>
+            <a:pPr algn="l"/>
+            <a:r>
+              <a:rPr lang="en-US" dirty="0"/>
+              <a:t>Donald, M. (31 </a:t>
+            </a:r>
+            <a:r>
+              <a:rPr lang="en-US" dirty="0" err="1"/>
+              <a:t>juli</a:t>
+            </a:r>
+            <a:r>
+              <a:rPr lang="en-US" dirty="0"/>
+              <a:t> 2020). </a:t>
+            </a:r>
+            <a:r>
+              <a:rPr lang="en-US" i="1" dirty="0">
+                <a:solidFill>
+                  <a:srgbClr val="0F0F0F"/>
+                </a:solidFill>
+                <a:effectLst/>
+              </a:rPr>
+              <a:t>Superpositions, Sudoku, the Wave Function Collapse algorithm</a:t>
+            </a:r>
+            <a:r>
+              <a:rPr lang="en-US" i="0" dirty="0">
+                <a:solidFill>
+                  <a:srgbClr val="0F0F0F"/>
+                </a:solidFill>
+                <a:effectLst/>
+              </a:rPr>
+              <a:t>. YouTube. </a:t>
+            </a:r>
+            <a:r>
+              <a:rPr lang="en-US" i="0" dirty="0">
+                <a:solidFill>
+                  <a:srgbClr val="0F0F0F"/>
+                </a:solidFill>
+                <a:effectLst/>
+                <a:hlinkClick r:id="rId3"/>
+              </a:rPr>
+              <a:t>https://www.youtube.com/watch?v=2SuvO4Gi7uY&amp;ab_channel=MartinDonald</a:t>
+            </a:r>
+            <a:r>
+              <a:rPr lang="en-US" i="0" dirty="0">
+                <a:solidFill>
+                  <a:srgbClr val="0F0F0F"/>
+                </a:solidFill>
+                <a:effectLst/>
+              </a:rPr>
+              <a:t>  </a:t>
+            </a:r>
+          </a:p>
+          <a:p>
+            <a:pPr algn="l"/>
+            <a:endParaRPr lang="en-US" dirty="0">
+              <a:solidFill>
+                <a:srgbClr val="0F0F0F"/>
+              </a:solidFill>
+            </a:endParaRPr>
+          </a:p>
+          <a:p>
+            <a:pPr algn="l"/>
+            <a:r>
+              <a:rPr lang="en-US" dirty="0">
+                <a:solidFill>
+                  <a:srgbClr val="0F0F0F"/>
+                </a:solidFill>
+              </a:rPr>
+              <a:t>Graph Rewriting. (2022, 15 mars). I </a:t>
+            </a:r>
+            <a:r>
+              <a:rPr lang="en-US" i="1" dirty="0">
+                <a:solidFill>
+                  <a:srgbClr val="0F0F0F"/>
+                </a:solidFill>
+              </a:rPr>
+              <a:t>Wikipedia</a:t>
+            </a:r>
+            <a:r>
+              <a:rPr lang="en-US" dirty="0">
+                <a:solidFill>
+                  <a:srgbClr val="0F0F0F"/>
+                </a:solidFill>
+              </a:rPr>
+              <a:t>. </a:t>
+            </a:r>
+            <a:r>
+              <a:rPr lang="en-US" dirty="0">
+                <a:solidFill>
+                  <a:srgbClr val="0F0F0F"/>
+                </a:solidFill>
+                <a:hlinkClick r:id="rId4"/>
+              </a:rPr>
+              <a:t>https://en.wikipedia.org/wiki/Graph_rewriting</a:t>
+            </a:r>
+            <a:r>
+              <a:rPr lang="en-US" dirty="0">
+                <a:solidFill>
+                  <a:srgbClr val="0F0F0F"/>
+                </a:solidFill>
+              </a:rPr>
+              <a:t> </a:t>
+            </a:r>
+          </a:p>
+          <a:p>
+            <a:pPr algn="l"/>
+            <a:endParaRPr lang="en-US" dirty="0">
+              <a:solidFill>
+                <a:srgbClr val="0F0F0F"/>
+              </a:solidFill>
+            </a:endParaRPr>
+          </a:p>
+          <a:p>
+            <a:pPr algn="l"/>
+            <a:r>
+              <a:rPr lang="en-US" dirty="0">
+                <a:solidFill>
+                  <a:srgbClr val="0F0F0F"/>
+                </a:solidFill>
+              </a:rPr>
+              <a:t>Neumann, S. (Producent). (2021</a:t>
+            </a:r>
+            <a:r>
+              <a:rPr lang="en-US" dirty="0"/>
+              <a:t>). </a:t>
+            </a:r>
+            <a:r>
+              <a:rPr lang="sv-SE" b="0" i="1" dirty="0" err="1">
+                <a:effectLst/>
+              </a:rPr>
+              <a:t>Sven's</a:t>
+            </a:r>
+            <a:r>
+              <a:rPr lang="sv-SE" b="0" i="1" dirty="0">
+                <a:effectLst/>
+              </a:rPr>
+              <a:t> </a:t>
+            </a:r>
+            <a:r>
+              <a:rPr lang="sv-SE" b="0" i="1" dirty="0" err="1">
+                <a:effectLst/>
+              </a:rPr>
+              <a:t>SudokuPad</a:t>
+            </a:r>
+            <a:r>
+              <a:rPr lang="sv-SE" b="0" i="1" dirty="0">
+                <a:effectLst/>
+              </a:rPr>
+              <a:t> </a:t>
+            </a:r>
+            <a:r>
+              <a:rPr lang="sv-SE" b="0" i="0" dirty="0">
+                <a:effectLst/>
+              </a:rPr>
+              <a:t>[Dataspel]. </a:t>
+            </a:r>
             <a:endParaRPr lang="sv-SE" dirty="0"/>
           </a:p>
           <a:p>
-            <a:r>
-              <a:rPr lang="sv-SE" dirty="0"/>
-              <a:t>Notering. Du får gärna använda referenshantering (hänvisningar i övriga bilder), förslagsvis enligt </a:t>
-            </a:r>
+            <a:endParaRPr lang="sv-SE" dirty="0"/>
+          </a:p>
+          <a:p>
             <a:r>
               <a:rPr lang="sv-SE" dirty="0" err="1"/>
-              <a:t>harvardsystemet</a:t>
-            </a:r>
-            <a:r>
-              <a:rPr lang="sv-SE" dirty="0"/>
-              <a:t>, istället för en separat källöversikt (2).     </a:t>
-            </a:r>
+              <a:t>Procedural</a:t>
+            </a:r>
+            <a:r>
+              <a:rPr lang="sv-SE" dirty="0"/>
+              <a:t> Generation. (2023, 3 maj). I</a:t>
+            </a:r>
+            <a:r>
+              <a:rPr lang="sv-SE" i="1" dirty="0"/>
+              <a:t> </a:t>
+            </a:r>
+            <a:r>
+              <a:rPr lang="sv-SE" i="1" dirty="0" err="1"/>
+              <a:t>Wikipedia</a:t>
+            </a:r>
+            <a:r>
+              <a:rPr lang="sv-SE" dirty="0"/>
+              <a:t>. </a:t>
+            </a:r>
+            <a:r>
+              <a:rPr lang="sv-SE" dirty="0">
+                <a:hlinkClick r:id="rId5"/>
+              </a:rPr>
+              <a:t>https://en.wikipedia.org/wiki/Procedural_generation</a:t>
+            </a:r>
+            <a:r>
+              <a:rPr lang="sv-SE" dirty="0"/>
+              <a:t> </a:t>
+            </a:r>
+          </a:p>
+          <a:p>
+            <a:endParaRPr lang="sv-SE" dirty="0"/>
+          </a:p>
+          <a:p>
+            <a:r>
+              <a:rPr lang="sv-SE" dirty="0"/>
+              <a:t>Sudoku Solutions (u.å.). </a:t>
+            </a:r>
+            <a:r>
+              <a:rPr lang="sv-SE" i="1" dirty="0"/>
+              <a:t>Sudoku </a:t>
+            </a:r>
+            <a:r>
+              <a:rPr lang="sv-SE" i="1" dirty="0" err="1"/>
+              <a:t>Solver</a:t>
+            </a:r>
+            <a:r>
+              <a:rPr lang="sv-SE" dirty="0"/>
+              <a:t>. </a:t>
+            </a:r>
+            <a:r>
+              <a:rPr lang="sv-SE" dirty="0">
+                <a:hlinkClick r:id="rId6"/>
+              </a:rPr>
+              <a:t>https://www.sudoku-solutions.com/</a:t>
+            </a:r>
+            <a:r>
+              <a:rPr lang="sv-SE" dirty="0"/>
+              <a:t> </a:t>
+            </a:r>
+            <a:r>
+              <a:rPr lang="en-US" dirty="0">
+                <a:effectLst/>
+              </a:rPr>
+              <a:t>[2023-05-22]</a:t>
+            </a:r>
+          </a:p>
+          <a:p>
+            <a:endParaRPr lang="sv-SE" dirty="0"/>
+          </a:p>
+          <a:p>
+            <a:r>
+              <a:rPr lang="sv-SE" dirty="0" err="1"/>
+              <a:t>Technology</a:t>
+            </a:r>
+            <a:r>
+              <a:rPr lang="sv-SE" dirty="0"/>
+              <a:t> Review (2012). </a:t>
+            </a:r>
+            <a:r>
+              <a:rPr lang="en-US" i="1" dirty="0">
+                <a:effectLst/>
+              </a:rPr>
+              <a:t>Mathematicians Solve Minimum Sudoku Problem. </a:t>
+            </a:r>
+            <a:r>
+              <a:rPr lang="en-US" dirty="0">
+                <a:effectLst/>
+                <a:hlinkClick r:id="rId7"/>
+              </a:rPr>
+              <a:t>https://www.technologyreview.com/2012/01/06/188520/mathematicians-solve-minimum-sudoku-problem/</a:t>
+            </a:r>
+            <a:r>
+              <a:rPr lang="en-US" dirty="0">
+                <a:effectLst/>
+              </a:rPr>
+              <a:t> </a:t>
+            </a:r>
+            <a:endParaRPr lang="sv-SE" dirty="0"/>
+          </a:p>
+          <a:p>
+            <a:r>
+              <a:rPr lang="en-US" dirty="0">
+                <a:effectLst/>
+              </a:rPr>
+              <a:t>[2023-05-22]</a:t>
+            </a:r>
+          </a:p>
+          <a:p>
+            <a:endParaRPr lang="en-US" dirty="0"/>
+          </a:p>
+          <a:p>
+            <a:r>
+              <a:rPr lang="sv-SE" dirty="0" err="1"/>
+              <a:t>Wave</a:t>
+            </a:r>
+            <a:r>
+              <a:rPr lang="sv-SE" dirty="0"/>
+              <a:t> </a:t>
+            </a:r>
+            <a:r>
+              <a:rPr lang="sv-SE" dirty="0" err="1"/>
+              <a:t>Function</a:t>
+            </a:r>
+            <a:r>
+              <a:rPr lang="sv-SE" dirty="0"/>
+              <a:t> </a:t>
+            </a:r>
+            <a:r>
+              <a:rPr lang="sv-SE" dirty="0" err="1"/>
+              <a:t>Collapse</a:t>
+            </a:r>
+            <a:r>
+              <a:rPr lang="sv-SE" dirty="0"/>
+              <a:t>. (2023, 1 mars). I</a:t>
+            </a:r>
+            <a:r>
+              <a:rPr lang="sv-SE" i="1" dirty="0"/>
+              <a:t> </a:t>
+            </a:r>
+            <a:r>
+              <a:rPr lang="sv-SE" i="1" dirty="0" err="1"/>
+              <a:t>Wikipedia</a:t>
+            </a:r>
+            <a:r>
+              <a:rPr lang="sv-SE" dirty="0"/>
+              <a:t>. </a:t>
+            </a:r>
+            <a:r>
+              <a:rPr lang="sv-SE" dirty="0">
+                <a:hlinkClick r:id="rId8"/>
+              </a:rPr>
+              <a:t>https://en.wikipedia.org/wiki/Wave_function_collapse</a:t>
+            </a:r>
+            <a:r>
+              <a:rPr lang="sv-SE" dirty="0"/>
+              <a:t> </a:t>
+            </a:r>
+          </a:p>
+          <a:p>
+            <a:endParaRPr lang="en-US" dirty="0">
+              <a:effectLst/>
+              <a:latin typeface="+mj-lt"/>
+            </a:endParaRPr>
+          </a:p>
+          <a:p>
+            <a:endParaRPr lang="sv-SE" i="1" dirty="0"/>
+          </a:p>
+          <a:p>
+            <a:endParaRPr lang="sv-SE" dirty="0"/>
           </a:p>
         </p:txBody>
       </p:sp>
@@ -4324,4 +6910,299 @@
     </a:ext>
   </a:extLst>
 </a:theme>
+</file>
+
+<file path=ppt/theme/theme2.xml><?xml version="1.0" encoding="utf-8"?>
+<a:theme xmlns:a="http://schemas.openxmlformats.org/drawingml/2006/main" name="Office-tema">
+  <a:themeElements>
+    <a:clrScheme name="Office">
+      <a:dk1>
+        <a:sysClr val="windowText" lastClr="000000"/>
+      </a:dk1>
+      <a:lt1>
+        <a:sysClr val="window" lastClr="FFFFFF"/>
+      </a:lt1>
+      <a:dk2>
+        <a:srgbClr val="44546A"/>
+      </a:dk2>
+      <a:lt2>
+        <a:srgbClr val="E7E6E6"/>
+      </a:lt2>
+      <a:accent1>
+        <a:srgbClr val="4472C4"/>
+      </a:accent1>
+      <a:accent2>
+        <a:srgbClr val="ED7D31"/>
+      </a:accent2>
+      <a:accent3>
+        <a:srgbClr val="A5A5A5"/>
+      </a:accent3>
+      <a:accent4>
+        <a:srgbClr val="FFC000"/>
+      </a:accent4>
+      <a:accent5>
+        <a:srgbClr val="5B9BD5"/>
+      </a:accent5>
+      <a:accent6>
+        <a:srgbClr val="70AD47"/>
+      </a:accent6>
+      <a:hlink>
+        <a:srgbClr val="0563C1"/>
+      </a:hlink>
+      <a:folHlink>
+        <a:srgbClr val="954F72"/>
+      </a:folHlink>
+    </a:clrScheme>
+    <a:fontScheme name="Office">
+      <a:majorFont>
+        <a:latin typeface="Calibri Light" panose="020F0302020204030204"/>
+        <a:ea typeface=""/>
+        <a:cs typeface=""/>
+        <a:font script="Jpan" typeface="游ゴシック Light"/>
+        <a:font script="Hang" typeface="맑은 고딕"/>
+        <a:font script="Hans" typeface="等线 Light"/>
+        <a:font script="Hant" typeface="新細明體"/>
+        <a:font script="Arab" typeface="Times New Roman"/>
+        <a:font script="Hebr" typeface="Times New Roman"/>
+        <a:font script="Thai" typeface="Angsana New"/>
+        <a:font script="Ethi" typeface="Nyala"/>
+        <a:font script="Beng" typeface="Vrinda"/>
+        <a:font script="Gujr" typeface="Shruti"/>
+        <a:font script="Khmr" typeface="MoolBoran"/>
+        <a:font script="Knda" typeface="Tunga"/>
+        <a:font script="Guru" typeface="Raavi"/>
+        <a:font script="Cans" typeface="Euphemia"/>
+        <a:font script="Cher" typeface="Plantagenet Cherokee"/>
+        <a:font script="Yiii" typeface="Microsoft Yi Baiti"/>
+        <a:font script="Tibt" typeface="Microsoft Himalaya"/>
+        <a:font script="Thaa" typeface="MV Boli"/>
+        <a:font script="Deva" typeface="Mangal"/>
+        <a:font script="Telu" typeface="Gautami"/>
+        <a:font script="Taml" typeface="Latha"/>
+        <a:font script="Syrc" typeface="Estrangelo Edessa"/>
+        <a:font script="Orya" typeface="Kalinga"/>
+        <a:font script="Mlym" typeface="Kartika"/>
+        <a:font script="Laoo" typeface="DokChampa"/>
+        <a:font script="Sinh" typeface="Iskoola Pota"/>
+        <a:font script="Mong" typeface="Mongolian Baiti"/>
+        <a:font script="Viet" typeface="Times New Roman"/>
+        <a:font script="Uigh" typeface="Microsoft Uighur"/>
+        <a:font script="Geor" typeface="Sylfaen"/>
+        <a:font script="Armn" typeface="Arial"/>
+        <a:font script="Bugi" typeface="Leelawadee UI"/>
+        <a:font script="Bopo" typeface="Microsoft JhengHei"/>
+        <a:font script="Java" typeface="Javanese Text"/>
+        <a:font script="Lisu" typeface="Segoe UI"/>
+        <a:font script="Mymr" typeface="Myanmar Text"/>
+        <a:font script="Nkoo" typeface="Ebrima"/>
+        <a:font script="Olck" typeface="Nirmala UI"/>
+        <a:font script="Osma" typeface="Ebrima"/>
+        <a:font script="Phag" typeface="Phagspa"/>
+        <a:font script="Syrn" typeface="Estrangelo Edessa"/>
+        <a:font script="Syrj" typeface="Estrangelo Edessa"/>
+        <a:font script="Syre" typeface="Estrangelo Edessa"/>
+        <a:font script="Sora" typeface="Nirmala UI"/>
+        <a:font script="Tale" typeface="Microsoft Tai Le"/>
+        <a:font script="Talu" typeface="Microsoft New Tai Lue"/>
+        <a:font script="Tfng" typeface="Ebrima"/>
+      </a:majorFont>
+      <a:minorFont>
+        <a:latin typeface="Calibri" panose="020F0502020204030204"/>
+        <a:ea typeface=""/>
+        <a:cs typeface=""/>
+        <a:font script="Jpan" typeface="游ゴシック"/>
+        <a:font script="Hang" typeface="맑은 고딕"/>
+        <a:font script="Hans" typeface="等线"/>
+        <a:font script="Hant" typeface="新細明體"/>
+        <a:font script="Arab" typeface="Arial"/>
+        <a:font script="Hebr" typeface="Arial"/>
+        <a:font script="Thai" typeface="Cordia New"/>
+        <a:font script="Ethi" typeface="Nyala"/>
+        <a:font script="Beng" typeface="Vrinda"/>
+        <a:font script="Gujr" typeface="Shruti"/>
+        <a:font script="Khmr" typeface="DaunPenh"/>
+        <a:font script="Knda" typeface="Tunga"/>
+        <a:font script="Guru" typeface="Raavi"/>
+        <a:font script="Cans" typeface="Euphemia"/>
+        <a:font script="Cher" typeface="Plantagenet Cherokee"/>
+        <a:font script="Yiii" typeface="Microsoft Yi Baiti"/>
+        <a:font script="Tibt" typeface="Microsoft Himalaya"/>
+        <a:font script="Thaa" typeface="MV Boli"/>
+        <a:font script="Deva" typeface="Mangal"/>
+        <a:font script="Telu" typeface="Gautami"/>
+        <a:font script="Taml" typeface="Latha"/>
+        <a:font script="Syrc" typeface="Estrangelo Edessa"/>
+        <a:font script="Orya" typeface="Kalinga"/>
+        <a:font script="Mlym" typeface="Kartika"/>
+        <a:font script="Laoo" typeface="DokChampa"/>
+        <a:font script="Sinh" typeface="Iskoola Pota"/>
+        <a:font script="Mong" typeface="Mongolian Baiti"/>
+        <a:font script="Viet" typeface="Arial"/>
+        <a:font script="Uigh" typeface="Microsoft Uighur"/>
+        <a:font script="Geor" typeface="Sylfaen"/>
+        <a:font script="Armn" typeface="Arial"/>
+        <a:font script="Bugi" typeface="Leelawadee UI"/>
+        <a:font script="Bopo" typeface="Microsoft JhengHei"/>
+        <a:font script="Java" typeface="Javanese Text"/>
+        <a:font script="Lisu" typeface="Segoe UI"/>
+        <a:font script="Mymr" typeface="Myanmar Text"/>
+        <a:font script="Nkoo" typeface="Ebrima"/>
+        <a:font script="Olck" typeface="Nirmala UI"/>
+        <a:font script="Osma" typeface="Ebrima"/>
+        <a:font script="Phag" typeface="Phagspa"/>
+        <a:font script="Syrn" typeface="Estrangelo Edessa"/>
+        <a:font script="Syrj" typeface="Estrangelo Edessa"/>
+        <a:font script="Syre" typeface="Estrangelo Edessa"/>
+        <a:font script="Sora" typeface="Nirmala UI"/>
+        <a:font script="Tale" typeface="Microsoft Tai Le"/>
+        <a:font script="Talu" typeface="Microsoft New Tai Lue"/>
+        <a:font script="Tfng" typeface="Ebrima"/>
+      </a:minorFont>
+    </a:fontScheme>
+    <a:fmtScheme name="Office">
+      <a:fillStyleLst>
+        <a:solidFill>
+          <a:schemeClr val="phClr"/>
+        </a:solidFill>
+        <a:gradFill rotWithShape="1">
+          <a:gsLst>
+            <a:gs pos="0">
+              <a:schemeClr val="phClr">
+                <a:lumMod val="110000"/>
+                <a:satMod val="105000"/>
+                <a:tint val="67000"/>
+              </a:schemeClr>
+            </a:gs>
+            <a:gs pos="50000">
+              <a:schemeClr val="phClr">
+                <a:lumMod val="105000"/>
+                <a:satMod val="103000"/>
+                <a:tint val="73000"/>
+              </a:schemeClr>
+            </a:gs>
+            <a:gs pos="100000">
+              <a:schemeClr val="phClr">
+                <a:lumMod val="105000"/>
+                <a:satMod val="109000"/>
+                <a:tint val="81000"/>
+              </a:schemeClr>
+            </a:gs>
+          </a:gsLst>
+          <a:lin ang="5400000" scaled="0"/>
+        </a:gradFill>
+        <a:gradFill rotWithShape="1">
+          <a:gsLst>
+            <a:gs pos="0">
+              <a:schemeClr val="phClr">
+                <a:satMod val="103000"/>
+                <a:lumMod val="102000"/>
+                <a:tint val="94000"/>
+              </a:schemeClr>
+            </a:gs>
+            <a:gs pos="50000">
+              <a:schemeClr val="phClr">
+                <a:satMod val="110000"/>
+                <a:lumMod val="100000"/>
+                <a:shade val="100000"/>
+              </a:schemeClr>
+            </a:gs>
+            <a:gs pos="100000">
+              <a:schemeClr val="phClr">
+                <a:lumMod val="99000"/>
+                <a:satMod val="120000"/>
+                <a:shade val="78000"/>
+              </a:schemeClr>
+            </a:gs>
+          </a:gsLst>
+          <a:lin ang="5400000" scaled="0"/>
+        </a:gradFill>
+      </a:fillStyleLst>
+      <a:lnStyleLst>
+        <a:ln w="6350" cap="flat" cmpd="sng" algn="ctr">
+          <a:solidFill>
+            <a:schemeClr val="phClr"/>
+          </a:solidFill>
+          <a:prstDash val="solid"/>
+          <a:miter lim="800000"/>
+        </a:ln>
+        <a:ln w="12700" cap="flat" cmpd="sng" algn="ctr">
+          <a:solidFill>
+            <a:schemeClr val="phClr"/>
+          </a:solidFill>
+          <a:prstDash val="solid"/>
+          <a:miter lim="800000"/>
+        </a:ln>
+        <a:ln w="19050" cap="flat" cmpd="sng" algn="ctr">
+          <a:solidFill>
+            <a:schemeClr val="phClr"/>
+          </a:solidFill>
+          <a:prstDash val="solid"/>
+          <a:miter lim="800000"/>
+        </a:ln>
+      </a:lnStyleLst>
+      <a:effectStyleLst>
+        <a:effectStyle>
+          <a:effectLst/>
+        </a:effectStyle>
+        <a:effectStyle>
+          <a:effectLst/>
+        </a:effectStyle>
+        <a:effectStyle>
+          <a:effectLst>
+            <a:outerShdw blurRad="57150" dist="19050" dir="5400000" algn="ctr" rotWithShape="0">
+              <a:srgbClr val="000000">
+                <a:alpha val="63000"/>
+              </a:srgbClr>
+            </a:outerShdw>
+          </a:effectLst>
+        </a:effectStyle>
+      </a:effectStyleLst>
+      <a:bgFillStyleLst>
+        <a:solidFill>
+          <a:schemeClr val="phClr"/>
+        </a:solidFill>
+        <a:solidFill>
+          <a:schemeClr val="phClr">
+            <a:tint val="95000"/>
+            <a:satMod val="170000"/>
+          </a:schemeClr>
+        </a:solidFill>
+        <a:gradFill rotWithShape="1">
+          <a:gsLst>
+            <a:gs pos="0">
+              <a:schemeClr val="phClr">
+                <a:tint val="93000"/>
+                <a:satMod val="150000"/>
+                <a:shade val="98000"/>
+                <a:lumMod val="102000"/>
+              </a:schemeClr>
+            </a:gs>
+            <a:gs pos="50000">
+              <a:schemeClr val="phClr">
+                <a:tint val="98000"/>
+                <a:satMod val="130000"/>
+                <a:shade val="90000"/>
+                <a:lumMod val="103000"/>
+              </a:schemeClr>
+            </a:gs>
+            <a:gs pos="100000">
+              <a:schemeClr val="phClr">
+                <a:shade val="63000"/>
+                <a:satMod val="120000"/>
+              </a:schemeClr>
+            </a:gs>
+          </a:gsLst>
+          <a:lin ang="5400000" scaled="0"/>
+        </a:gradFill>
+      </a:bgFillStyleLst>
+    </a:fmtScheme>
+  </a:themeElements>
+  <a:objectDefaults/>
+  <a:extraClrSchemeLst/>
+  <a:extLst>
+    <a:ext uri="{05A4C25C-085E-4340-85A3-A5531E510DB2}">
+      <thm15:themeFamily xmlns:thm15="http://schemas.microsoft.com/office/thememl/2012/main" name="Office Theme" id="{62F939B6-93AF-4DB8-9C6B-D6C7DFDC589F}" vid="{4A3C46E8-61CC-4603-A589-7422A47A8E4A}"/>
+    </a:ext>
+  </a:extLst>
+</a:theme>
 </file>
--- a/Procedurell_Generering_Utvardering.pptx
+++ b/Procedurell_Generering_Utvardering.pptx
@@ -612,7 +612,7 @@
           <a:p>
             <a:r>
               <a:rPr lang="sv-SE" dirty="0"/>
-              <a:t>En styrka är att algoritmen alltid genererar ett slumpmässigt pussel. Eftersom det finns 10^21 olika sudokun så man säkert säga att spelaren får en unik spelupplevelse varje gång.</a:t>
+              <a:t>En styrka är att algoritmen alltid genererar ett slumpmässigt pussel. Eftersom det finns 10^21 olika sudokun så kan man med säkerhet säga att spelaren får en unik spelupplevelse varje gång.</a:t>
             </a:r>
           </a:p>
           <a:p>
@@ -761,7 +761,7 @@
           <a:p>
             <a:r>
               <a:rPr lang="sv-SE" dirty="0"/>
-              <a:t>Spelet har dock sina nackdelar.</a:t>
+              <a:t>Spelet har dock sina brister.</a:t>
             </a:r>
           </a:p>
           <a:p>
@@ -779,7 +779,7 @@
           <a:p>
             <a:r>
               <a:rPr lang="sv-SE" dirty="0"/>
-              <a:t>Ett relaterat problem är att man har liten kontroll över hur vilken typ av pussel som genereras. Om jag t.ex. vill generera ett svårt pussel så måste jag helt enkelt hoppas på att det pussel som genereras faktiskt är svårt, vilket bestäms av vilka lösningsmetoder som krävdes. Om det inte var ett svårt pussel får jag helt enkelt testa igen upp till 20 försök. Därför kan det ta lång tid för ett pussel att genereras + att det inte finns någon 100%-garanti på att rätt svårighetsgrad väljs.</a:t>
+              <a:t>Ett relaterat problem är att man har dålig kontroll över vilken typ av pussel som genereras. Om jag t.ex. vill generera ett svårt pussel så måste jag helt enkelt hoppas på att det pussel som genereras faktiskt är svårt, vilket bestäms av vilka lösningsmetoder som krävdes. Om det inte var ett svårt pussel får jag helt enkelt testa igen upp, vilket jag gör upp till 20 gånger. Därför kan det ta lång tid för ett pussel att genereras + att det inte finns någon 100%-garanti på att rätt svårighetsgrad väljs.</a:t>
             </a:r>
           </a:p>
           <a:p>
@@ -788,7 +788,7 @@
           <a:p>
             <a:r>
               <a:rPr lang="sv-SE" dirty="0"/>
-              <a:t>En sista grej är att många av mina features är rushade och inte optimerade. För att exempelvis spara undan en rutas tillstånd för varje drag som görs så måste jag varje gång spara undan en kopia av deras hörnmarkeringar, mittenmarkeringar och färger. Detta görs för alla 81 rutor vid varje kommando som utförs, oavsett vilken ruta kommandot gällde. Det finns såklart bättre sätt att lösa detta på, t.ex. genom att exempelvis inte skapa något nytt </a:t>
+              <a:t>En sista grej är att många av mina features är rushade och inte optimerade. För att exempelvis spara undan en rutas tillstånd för varje drag som görs så måste jag varje gång spara undan en kopia av deras hörnmarkeringar, mittenmarkeringar och färger. Detta görs för alla 81 rutor vid varje kommando som utförs, oavsett vilken ruta kommandot gällde. Det finns såklart bättre sätt att lösa detta på, t.ex. genom att inte skapa något nytt </a:t>
             </a:r>
             <a:r>
               <a:rPr lang="sv-SE" dirty="0" err="1"/>
@@ -909,15 +909,7 @@
           <a:p>
             <a:r>
               <a:rPr lang="sv-SE" dirty="0"/>
-              <a:t>Eftersom det kan ta tid för ett pussel att skapas så skulle en </a:t>
-            </a:r>
-            <a:r>
-              <a:rPr lang="sv-SE" dirty="0" err="1"/>
-              <a:t>loadingscreen</a:t>
-            </a:r>
-            <a:r>
-              <a:rPr lang="sv-SE" dirty="0"/>
-              <a:t> vara bra att ha.</a:t>
+              <a:t>Sen borde man också spara undan det senaste pusslet så att användaren kan stänga ner spelet och fortsätta på samma bräde vid en annan spelsession. Förmodligen inte jättesvårt att lägga till men det var något som jag inte hann helt enkelt.</a:t>
             </a:r>
           </a:p>
           <a:p>
@@ -926,16 +918,7 @@
           <a:p>
             <a:r>
               <a:rPr lang="sv-SE" dirty="0"/>
-              <a:t>Sen borde man också spara undan det senaste pusslet så att användaren kan stänga ner spelet och fortsätta på samma bräde vid en annan spelsession. Förmodligen inte jättesvårt att lägga till men det var något som jag inte hann helt enkelt.</a:t>
-            </a:r>
-          </a:p>
-          <a:p>
-            <a:endParaRPr lang="sv-SE" dirty="0"/>
-          </a:p>
-          <a:p>
-            <a:r>
-              <a:rPr lang="sv-SE" dirty="0"/>
-              <a:t>Till sist så kanske det finns någon algoritm som ger en större kontroll över vilket typ av pussel som genereras, men det visste jag inte hur man skulle göra.</a:t>
+              <a:t>Till sist så kanske det finns någon algoritm som ger en större kontroll över vilket typ av pussel som genereras, men någon sådan kom jag inte på.</a:t>
             </a:r>
           </a:p>
         </p:txBody>
@@ -1022,7 +1005,7 @@
           <a:p>
             <a:r>
               <a:rPr lang="sv-SE" dirty="0"/>
-              <a:t>De algoritmer som använts i mitt spel kan förstås användas av andra för att skapa sina egna sudokun. Om man inte är lika beroende av att algoritmen ska vara snabb så kan man lägga in extravillkor i den så att den skapa mer individanpassade sudokun, även om det kan ta många iterationer att göra.</a:t>
+              <a:t>De algoritmer som använts i mitt spel kan förstås användas av andra för att skapa sina egna sudokun. Om man inte är lika beroende av att algoritmen ska vara snabb så kan man lägga in extravillkor i den så att den skapar mer individanpassade sudokun, även om det kan ta många iterationer att göra.</a:t>
             </a:r>
           </a:p>
           <a:p>
@@ -1031,15 +1014,7 @@
           <a:p>
             <a:r>
               <a:rPr lang="sv-SE" dirty="0"/>
-              <a:t>Metoderna som använts i mitt spel kan förmodligen användas till </a:t>
-            </a:r>
-            <a:r>
-              <a:rPr lang="sv-SE" dirty="0" err="1"/>
-              <a:t>liknane</a:t>
-            </a:r>
-            <a:r>
-              <a:rPr lang="sv-SE" dirty="0"/>
-              <a:t> spel också. Ta t.ex. ett korsord och situationen på bilden. Att ange ”Sudoku” som det vertikala ordet kan ses som en slags vågfunktionskollaps. Det vågräta ordet tvingas att ha ett ord som börjar på S, vilket drastiskt minskar dess antal kandidater. På motsvarande sätt borde ett helt korsord kunna genereras </a:t>
+              <a:t>Metoderna som använts i mitt spel kan förmodligen användas till liknande spel också. Ta t.ex. ett korsord och situationen på bilden. Att ange ”Sudoku” som det vertikala ordet kan ses som en slags vågfunktionskollaps. Det vågräta ordet tvingas då ha ett ord som börjar på S, vilket minskar dess antal kandidater. På motsvarande sätt borde ett helt korsord kunna genereras </a:t>
             </a:r>
             <a:r>
               <a:rPr lang="sv-SE" dirty="0" err="1"/>
@@ -1143,7 +1118,7 @@
           <a:p>
             <a:r>
               <a:rPr lang="sv-SE" dirty="0"/>
-              <a:t>En lärdom är erfarenhet av UI-design där jag har försökt göra ett intuitivt gränssnitt, spara tillstånd med UNDO/REDO osv.</a:t>
+              <a:t>En lärdom är erfarenhet av UI-design där jag har försökt göra ett intuitivt gränssnitt, tillåta UNDO/REDO osv.</a:t>
             </a:r>
           </a:p>
           <a:p>
@@ -1152,7 +1127,7 @@
           <a:p>
             <a:r>
               <a:rPr lang="sv-SE" dirty="0"/>
-              <a:t>En relaterad insikt är just hur många småfeatures som finns i UI-design som är lätta att ta för givet. Exempelvis att muspekaren byter form till en hand när den är över något som kan interageras med känns som en självklarhet, men det är ju såklart något som någon måste programmera.</a:t>
+              <a:t>En relaterad insikt är just hur många småfeatures som finns i UI-design som är lätta att ta för givet. Exempelvis att muspekaren byter form till en hand när den är över något som kan tryckas på känns som en självklarhet, men det är ju såklart något som någon måste programmera.</a:t>
             </a:r>
           </a:p>
           <a:p>
@@ -1161,15 +1136,7 @@
           <a:p>
             <a:r>
               <a:rPr lang="sv-SE" dirty="0"/>
-              <a:t>En tredje insikt är </a:t>
-            </a:r>
-            <a:r>
-              <a:rPr lang="sv-SE" dirty="0" err="1"/>
-              <a:t>generalla</a:t>
-            </a:r>
-            <a:r>
-              <a:rPr lang="sv-SE" dirty="0"/>
-              <a:t> lärdomar om WFC och GG, och hur de kan användas för att göra en Sudoku-generator. Detta kan vara användbart om jag exempelvis vill göra spel med </a:t>
+              <a:t>En tredje insikt är generella lärdomar om WFC och GG, och hur de kan användas för att göra en Sudoku-generator. Detta kan vara användbart om jag exempelvis vill göra spel med </a:t>
             </a:r>
             <a:r>
               <a:rPr lang="sv-SE" dirty="0" err="1"/>
@@ -5146,7 +5113,7 @@
         <p:spPr>
           <a:xfrm>
             <a:off x="1055440" y="1627482"/>
-            <a:ext cx="10081120" cy="2862322"/>
+            <a:ext cx="10081120" cy="2308324"/>
           </a:xfrm>
           <a:prstGeom prst="rect">
             <a:avLst/>
@@ -5165,7 +5132,7 @@
             </a:pPr>
             <a:r>
               <a:rPr lang="sv-SE" dirty="0"/>
-              <a:t>Gör automatiserade tester för alla möjligt fall för alla lösningsalgoritmer</a:t>
+              <a:t>Gör automatiserade tester för varje möjligt fall för alla lösningsalgoritmer</a:t>
             </a:r>
             <a:br>
               <a:rPr lang="sv-SE" dirty="0"/>
@@ -5192,23 +5159,7 @@
             </a:pPr>
             <a:r>
               <a:rPr lang="sv-SE" dirty="0"/>
-              <a:t>Lägg till </a:t>
-            </a:r>
-            <a:r>
-              <a:rPr lang="sv-SE" dirty="0" err="1"/>
-              <a:t>loading</a:t>
-            </a:r>
-            <a:r>
-              <a:rPr lang="sv-SE" dirty="0"/>
-              <a:t> </a:t>
-            </a:r>
-            <a:r>
-              <a:rPr lang="sv-SE" dirty="0" err="1"/>
-              <a:t>screen</a:t>
-            </a:r>
-            <a:r>
-              <a:rPr lang="sv-SE" dirty="0"/>
-              <a:t> under tid som pussel genereras</a:t>
+              <a:t>Spara senast spelade pusslet</a:t>
             </a:r>
           </a:p>
           <a:p>
@@ -5225,24 +5176,7 @@
             </a:pPr>
             <a:r>
               <a:rPr lang="sv-SE" dirty="0"/>
-              <a:t>Spara senast spelade pusslet</a:t>
-            </a:r>
-          </a:p>
-          <a:p>
-            <a:pPr marL="285750" indent="-285750">
-              <a:buFontTx/>
-              <a:buChar char="-"/>
-            </a:pPr>
-            <a:endParaRPr lang="sv-SE" dirty="0"/>
-          </a:p>
-          <a:p>
-            <a:pPr marL="285750" indent="-285750">
-              <a:buFontTx/>
-              <a:buChar char="-"/>
-            </a:pPr>
-            <a:r>
-              <a:rPr lang="sv-SE" dirty="0"/>
-              <a:t>Om möjligt, skapa algoritm som garanterar att vissa strategier krävs</a:t>
+              <a:t>Om möjligt, skapa algoritm som garanterar att vissa strategier krävs (ej bli beroende av slumpen)</a:t>
             </a:r>
           </a:p>
           <a:p>

--- a/Procedurell_Generering_Utvardering.pptx
+++ b/Procedurell_Generering_Utvardering.pptx
@@ -203,7 +203,7 @@
           <a:p>
             <a:fld id="{20E4CE32-F3A7-426B-8BF9-6B27D109731A}" type="datetimeFigureOut">
               <a:rPr lang="sv-SE" smtClean="0"/>
-              <a:t>2023-05-22</a:t>
+              <a:t>2023-05-23</a:t>
             </a:fld>
             <a:endParaRPr lang="sv-SE"/>
           </a:p>
@@ -782,31 +782,6 @@
               <a:t>Ett relaterat problem är att man har dålig kontroll över vilken typ av pussel som genereras. Om jag t.ex. vill generera ett svårt pussel så måste jag helt enkelt hoppas på att det pussel som genereras faktiskt är svårt, vilket bestäms av vilka lösningsmetoder som krävdes. Om det inte var ett svårt pussel får jag helt enkelt testa igen upp, vilket jag gör upp till 20 gånger. Därför kan det ta lång tid för ett pussel att genereras + att det inte finns någon 100%-garanti på att rätt svårighetsgrad väljs.</a:t>
             </a:r>
           </a:p>
-          <a:p>
-            <a:endParaRPr lang="sv-SE" dirty="0"/>
-          </a:p>
-          <a:p>
-            <a:r>
-              <a:rPr lang="sv-SE" dirty="0"/>
-              <a:t>En sista grej är att många av mina features är rushade och inte optimerade. För att exempelvis spara undan en rutas tillstånd för varje drag som görs så måste jag varje gång spara undan en kopia av deras hörnmarkeringar, mittenmarkeringar och färger. Detta görs för alla 81 rutor vid varje kommando som utförs, oavsett vilken ruta kommandot gällde. Det finns såklart bättre sätt att lösa detta på, t.ex. genom att inte skapa något nytt </a:t>
-            </a:r>
-            <a:r>
-              <a:rPr lang="sv-SE" dirty="0" err="1"/>
-              <a:t>state</a:t>
-            </a:r>
-            <a:r>
-              <a:rPr lang="sv-SE" dirty="0"/>
-              <a:t> om </a:t>
-            </a:r>
-            <a:r>
-              <a:rPr lang="sv-SE" dirty="0" err="1"/>
-              <a:t>tilen</a:t>
-            </a:r>
-            <a:r>
-              <a:rPr lang="sv-SE" dirty="0"/>
-              <a:t> inte påverkades av kommandot.</a:t>
-            </a:r>
-          </a:p>
         </p:txBody>
       </p:sp>
       <p:sp>
@@ -909,7 +884,7 @@
           <a:p>
             <a:r>
               <a:rPr lang="sv-SE" dirty="0"/>
-              <a:t>Sen borde man också spara undan det senaste pusslet så att användaren kan stänga ner spelet och fortsätta på samma bräde vid en annan spelsession. Förmodligen inte jättesvårt att lägga till men det var något som jag inte hann helt enkelt.</a:t>
+              <a:t>Sen borde man också spara undan det senaste pusslet så att användaren kan stänga ner spelet och fortsätta på samma bräde vid en annan spelsession.</a:t>
             </a:r>
           </a:p>
           <a:p>
@@ -1501,7 +1476,7 @@
           <a:p>
             <a:fld id="{8E64B585-400C-455D-9535-796762DC7C0E}" type="datetimeFigureOut">
               <a:rPr lang="sv-SE" smtClean="0"/>
-              <a:t>2023-05-22</a:t>
+              <a:t>2023-05-23</a:t>
             </a:fld>
             <a:endParaRPr lang="sv-SE"/>
           </a:p>
@@ -1701,7 +1676,7 @@
           <a:p>
             <a:fld id="{8E64B585-400C-455D-9535-796762DC7C0E}" type="datetimeFigureOut">
               <a:rPr lang="sv-SE" smtClean="0"/>
-              <a:t>2023-05-22</a:t>
+              <a:t>2023-05-23</a:t>
             </a:fld>
             <a:endParaRPr lang="sv-SE"/>
           </a:p>
@@ -1911,7 +1886,7 @@
           <a:p>
             <a:fld id="{8E64B585-400C-455D-9535-796762DC7C0E}" type="datetimeFigureOut">
               <a:rPr lang="sv-SE" smtClean="0"/>
-              <a:t>2023-05-22</a:t>
+              <a:t>2023-05-23</a:t>
             </a:fld>
             <a:endParaRPr lang="sv-SE"/>
           </a:p>
@@ -2111,7 +2086,7 @@
           <a:p>
             <a:fld id="{8E64B585-400C-455D-9535-796762DC7C0E}" type="datetimeFigureOut">
               <a:rPr lang="sv-SE" smtClean="0"/>
-              <a:t>2023-05-22</a:t>
+              <a:t>2023-05-23</a:t>
             </a:fld>
             <a:endParaRPr lang="sv-SE"/>
           </a:p>
@@ -2387,7 +2362,7 @@
           <a:p>
             <a:fld id="{8E64B585-400C-455D-9535-796762DC7C0E}" type="datetimeFigureOut">
               <a:rPr lang="sv-SE" smtClean="0"/>
-              <a:t>2023-05-22</a:t>
+              <a:t>2023-05-23</a:t>
             </a:fld>
             <a:endParaRPr lang="sv-SE"/>
           </a:p>
@@ -2655,7 +2630,7 @@
           <a:p>
             <a:fld id="{8E64B585-400C-455D-9535-796762DC7C0E}" type="datetimeFigureOut">
               <a:rPr lang="sv-SE" smtClean="0"/>
-              <a:t>2023-05-22</a:t>
+              <a:t>2023-05-23</a:t>
             </a:fld>
             <a:endParaRPr lang="sv-SE"/>
           </a:p>
@@ -3070,7 +3045,7 @@
           <a:p>
             <a:fld id="{8E64B585-400C-455D-9535-796762DC7C0E}" type="datetimeFigureOut">
               <a:rPr lang="sv-SE" smtClean="0"/>
-              <a:t>2023-05-22</a:t>
+              <a:t>2023-05-23</a:t>
             </a:fld>
             <a:endParaRPr lang="sv-SE"/>
           </a:p>
@@ -3212,7 +3187,7 @@
           <a:p>
             <a:fld id="{8E64B585-400C-455D-9535-796762DC7C0E}" type="datetimeFigureOut">
               <a:rPr lang="sv-SE" smtClean="0"/>
-              <a:t>2023-05-22</a:t>
+              <a:t>2023-05-23</a:t>
             </a:fld>
             <a:endParaRPr lang="sv-SE"/>
           </a:p>
@@ -3325,7 +3300,7 @@
           <a:p>
             <a:fld id="{8E64B585-400C-455D-9535-796762DC7C0E}" type="datetimeFigureOut">
               <a:rPr lang="sv-SE" smtClean="0"/>
-              <a:t>2023-05-22</a:t>
+              <a:t>2023-05-23</a:t>
             </a:fld>
             <a:endParaRPr lang="sv-SE"/>
           </a:p>
@@ -3638,7 +3613,7 @@
           <a:p>
             <a:fld id="{8E64B585-400C-455D-9535-796762DC7C0E}" type="datetimeFigureOut">
               <a:rPr lang="sv-SE" smtClean="0"/>
-              <a:t>2023-05-22</a:t>
+              <a:t>2023-05-23</a:t>
             </a:fld>
             <a:endParaRPr lang="sv-SE"/>
           </a:p>
@@ -3927,7 +3902,7 @@
           <a:p>
             <a:fld id="{8E64B585-400C-455D-9535-796762DC7C0E}" type="datetimeFigureOut">
               <a:rPr lang="sv-SE" smtClean="0"/>
-              <a:t>2023-05-22</a:t>
+              <a:t>2023-05-23</a:t>
             </a:fld>
             <a:endParaRPr lang="sv-SE"/>
           </a:p>
@@ -4170,7 +4145,7 @@
           <a:p>
             <a:fld id="{8E64B585-400C-455D-9535-796762DC7C0E}" type="datetimeFigureOut">
               <a:rPr lang="sv-SE" smtClean="0"/>
-              <a:t>2023-05-22</a:t>
+              <a:t>2023-05-23</a:t>
             </a:fld>
             <a:endParaRPr lang="sv-SE"/>
           </a:p>
@@ -4927,7 +4902,7 @@
         <p:spPr>
           <a:xfrm>
             <a:off x="1055440" y="1627482"/>
-            <a:ext cx="10081120" cy="2031325"/>
+            <a:ext cx="10081120" cy="1477328"/>
           </a:xfrm>
           <a:prstGeom prst="rect">
             <a:avLst/>
@@ -4945,12 +4920,20 @@
               <a:buChar char="-"/>
             </a:pPr>
             <a:r>
-              <a:rPr lang="sv-SE"/>
-              <a:t>Ingen automatiskt testmiljö, varit beroende av slump+externa verktyg för att testa mina lösningsmetoder</a:t>
-            </a:r>
-          </a:p>
-          <a:p>
-            <a:endParaRPr lang="sv-SE"/>
+              <a:rPr lang="sv-SE" dirty="0"/>
+              <a:t>Ingen automatiskt testmiljö, varit beroende av </a:t>
+            </a:r>
+            <a:r>
+              <a:rPr lang="sv-SE" dirty="0" err="1"/>
+              <a:t>slump+externa</a:t>
+            </a:r>
+            <a:r>
+              <a:rPr lang="sv-SE" dirty="0"/>
+              <a:t> verktyg för att testa mina lösningsmetoder</a:t>
+            </a:r>
+          </a:p>
+          <a:p>
+            <a:endParaRPr lang="sv-SE" dirty="0"/>
           </a:p>
           <a:p>
             <a:pPr marL="285750" indent="-285750">
@@ -4958,88 +4941,15 @@
               <a:buChar char="-"/>
             </a:pPr>
             <a:r>
-              <a:rPr lang="sv-SE"/>
+              <a:rPr lang="sv-SE" dirty="0"/>
               <a:t>Slumpen avgör vilka lösningsstrategier som pusslet kräver</a:t>
             </a:r>
           </a:p>
           <a:p>
-            <a:endParaRPr lang="sv-SE"/>
-          </a:p>
-          <a:p>
-            <a:pPr marL="285750" indent="-285750">
-              <a:buFontTx/>
-              <a:buChar char="-"/>
-            </a:pPr>
-            <a:r>
-              <a:rPr lang="sv-SE"/>
-              <a:t>Många features rushade, ej optimerade</a:t>
-            </a:r>
-          </a:p>
-          <a:p>
             <a:endParaRPr lang="sv-SE" dirty="0"/>
           </a:p>
         </p:txBody>
       </p:sp>
-      <p:pic>
-        <p:nvPicPr>
-          <p:cNvPr id="6" name="Bildobjekt 5">
-            <a:extLst>
-              <a:ext uri="{FF2B5EF4-FFF2-40B4-BE49-F238E27FC236}">
-                <a16:creationId xmlns:a16="http://schemas.microsoft.com/office/drawing/2014/main" id="{1C293E6E-A00F-2E3F-1D3C-817F08ADB00C}"/>
-              </a:ext>
-            </a:extLst>
-          </p:cNvPr>
-          <p:cNvPicPr>
-            <a:picLocks noChangeAspect="1"/>
-          </p:cNvPicPr>
-          <p:nvPr/>
-        </p:nvPicPr>
-        <p:blipFill>
-          <a:blip r:embed="rId3"/>
-          <a:stretch>
-            <a:fillRect/>
-          </a:stretch>
-        </p:blipFill>
-        <p:spPr>
-          <a:xfrm>
-            <a:off x="3215680" y="3559562"/>
-            <a:ext cx="3555479" cy="3077105"/>
-          </a:xfrm>
-          <a:prstGeom prst="rect">
-            <a:avLst/>
-          </a:prstGeom>
-        </p:spPr>
-      </p:pic>
-      <p:pic>
-        <p:nvPicPr>
-          <p:cNvPr id="10" name="Bildobjekt 9">
-            <a:extLst>
-              <a:ext uri="{FF2B5EF4-FFF2-40B4-BE49-F238E27FC236}">
-                <a16:creationId xmlns:a16="http://schemas.microsoft.com/office/drawing/2014/main" id="{B408D11D-B7C8-A09D-A691-9E566422F11A}"/>
-              </a:ext>
-            </a:extLst>
-          </p:cNvPr>
-          <p:cNvPicPr>
-            <a:picLocks noChangeAspect="1"/>
-          </p:cNvPicPr>
-          <p:nvPr/>
-        </p:nvPicPr>
-        <p:blipFill>
-          <a:blip r:embed="rId4"/>
-          <a:stretch>
-            <a:fillRect/>
-          </a:stretch>
-        </p:blipFill>
-        <p:spPr>
-          <a:xfrm>
-            <a:off x="7365397" y="3443867"/>
-            <a:ext cx="3132004" cy="3216004"/>
-          </a:xfrm>
-          <a:prstGeom prst="rect">
-            <a:avLst/>
-          </a:prstGeom>
-        </p:spPr>
-      </p:pic>
     </p:spTree>
     <p:extLst>
       <p:ext uri="{BB962C8B-B14F-4D97-AF65-F5344CB8AC3E}">
